--- a/Slides.pptx
+++ b/Slides.pptx
@@ -6,10 +6,10 @@
     <p:sldMasterId id="2147484700" r:id="rId5"/>
   </p:sldMasterIdLst>
   <p:notesMasterIdLst>
-    <p:notesMasterId r:id="rId21"/>
+    <p:notesMasterId r:id="rId22"/>
   </p:notesMasterIdLst>
   <p:handoutMasterIdLst>
-    <p:handoutMasterId r:id="rId22"/>
+    <p:handoutMasterId r:id="rId23"/>
   </p:handoutMasterIdLst>
   <p:sldIdLst>
     <p:sldId id="1663" r:id="rId6"/>
@@ -27,6 +27,7 @@
     <p:sldId id="1681" r:id="rId18"/>
     <p:sldId id="1671" r:id="rId19"/>
     <p:sldId id="1532" r:id="rId20"/>
+    <p:sldId id="1682" r:id="rId21"/>
   </p:sldIdLst>
   <p:sldSz cx="9144000" cy="6858000" type="screen4x3"/>
   <p:notesSz cx="6858000" cy="9144000"/>
@@ -254,7 +255,7 @@
               <a:rPr lang="en-US" smtClean="0">
                 <a:latin typeface="Segoe UI" pitchFamily="34" charset="0"/>
               </a:rPr>
-              <a:t>25-Jul-18 1:44 AM</a:t>
+              <a:t>25-Jul-18 5:56 AM</a:t>
             </a:fld>
             <a:endParaRPr lang="en-US" dirty="0">
               <a:latin typeface="Segoe UI" pitchFamily="34" charset="0"/>
@@ -532,7 +533,7 @@
           <a:p>
             <a:fld id="{386CE63F-9E7F-4C04-9D0D-FCA25A8E9E86}" type="datetime8">
               <a:rPr lang="en-US" smtClean="0"/>
-              <a:t>25-Jul-18 1:44 AM</a:t>
+              <a:t>25-Jul-18 5:56 AM</a:t>
             </a:fld>
             <a:endParaRPr lang="en-US" dirty="0"/>
           </a:p>
@@ -904,7 +905,7 @@
           <a:p>
             <a:fld id="{321E5A7B-BB8D-4368-A182-109669521632}" type="datetime8">
               <a:rPr lang="en-US" smtClean="0"/>
-              <a:t>25-Jul-18 1:46 AM</a:t>
+              <a:t>25-Jul-18 5:56 AM</a:t>
             </a:fld>
             <a:endParaRPr lang="en-US" dirty="0"/>
           </a:p>
@@ -1054,7 +1055,7 @@
                   <a:prstClr val="black"/>
                 </a:solidFill>
               </a:rPr>
-              <a:t>25-Jul-18 1:44 AM</a:t>
+              <a:t>25-Jul-18 5:56 AM</a:t>
             </a:fld>
             <a:endParaRPr lang="en-US" dirty="0">
               <a:solidFill>
@@ -1138,6 +1139,206 @@
     <p:extLst>
       <p:ext uri="{BB962C8B-B14F-4D97-AF65-F5344CB8AC3E}">
         <p14:creationId xmlns:p14="http://schemas.microsoft.com/office/powerpoint/2010/main" val="2185510719"/>
+      </p:ext>
+    </p:extLst>
+  </p:cSld>
+  <p:clrMapOvr>
+    <a:masterClrMapping/>
+  </p:clrMapOvr>
+</p:notes>
+</file>
+
+<file path=ppt/notesSlides/notesSlide11.xml><?xml version="1.0" encoding="utf-8"?>
+<p:notes xmlns:a="http://schemas.openxmlformats.org/drawingml/2006/main" xmlns:r="http://schemas.openxmlformats.org/officeDocument/2006/relationships" xmlns:p="http://schemas.openxmlformats.org/presentationml/2006/main">
+  <p:cSld>
+    <p:spTree>
+      <p:nvGrpSpPr>
+        <p:cNvPr id="1" name=""/>
+        <p:cNvGrpSpPr/>
+        <p:nvPr/>
+      </p:nvGrpSpPr>
+      <p:grpSpPr>
+        <a:xfrm>
+          <a:off x="0" y="0"/>
+          <a:ext cx="0" cy="0"/>
+          <a:chOff x="0" y="0"/>
+          <a:chExt cx="0" cy="0"/>
+        </a:xfrm>
+      </p:grpSpPr>
+      <p:sp>
+        <p:nvSpPr>
+          <p:cNvPr id="2" name="Slide Image Placeholder 1"/>
+          <p:cNvSpPr>
+            <a:spLocks noGrp="1" noRot="1" noChangeAspect="1"/>
+          </p:cNvSpPr>
+          <p:nvPr>
+            <p:ph type="sldImg"/>
+          </p:nvPr>
+        </p:nvSpPr>
+        <p:spPr>
+          <a:xfrm>
+            <a:off x="1143000" y="685800"/>
+            <a:ext cx="4572000" cy="3429000"/>
+          </a:xfrm>
+        </p:spPr>
+      </p:sp>
+      <p:sp>
+        <p:nvSpPr>
+          <p:cNvPr id="3" name="Notes Placeholder 2"/>
+          <p:cNvSpPr>
+            <a:spLocks noGrp="1"/>
+          </p:cNvSpPr>
+          <p:nvPr>
+            <p:ph type="body" idx="1"/>
+          </p:nvPr>
+        </p:nvSpPr>
+        <p:spPr/>
+        <p:txBody>
+          <a:bodyPr>
+            <a:normAutofit/>
+          </a:bodyPr>
+          <a:lstStyle/>
+          <a:p>
+            <a:endParaRPr lang="en-US" dirty="0"/>
+          </a:p>
+        </p:txBody>
+      </p:sp>
+      <p:sp>
+        <p:nvSpPr>
+          <p:cNvPr id="4" name="Header Placeholder 3"/>
+          <p:cNvSpPr>
+            <a:spLocks noGrp="1"/>
+          </p:cNvSpPr>
+          <p:nvPr>
+            <p:ph type="hdr" sz="quarter" idx="10"/>
+          </p:nvPr>
+        </p:nvSpPr>
+        <p:spPr>
+          <a:xfrm>
+            <a:off x="0" y="0"/>
+            <a:ext cx="2971800" cy="457200"/>
+          </a:xfrm>
+          <a:prstGeom prst="rect">
+            <a:avLst/>
+          </a:prstGeom>
+        </p:spPr>
+        <p:txBody>
+          <a:bodyPr/>
+          <a:lstStyle/>
+          <a:p>
+            <a:endParaRPr lang="en-US" dirty="0">
+              <a:solidFill>
+                <a:prstClr val="black"/>
+              </a:solidFill>
+            </a:endParaRPr>
+          </a:p>
+        </p:txBody>
+      </p:sp>
+      <p:sp>
+        <p:nvSpPr>
+          <p:cNvPr id="5" name="Date Placeholder 4"/>
+          <p:cNvSpPr>
+            <a:spLocks noGrp="1"/>
+          </p:cNvSpPr>
+          <p:nvPr>
+            <p:ph type="dt" idx="11"/>
+          </p:nvPr>
+        </p:nvSpPr>
+        <p:spPr/>
+        <p:txBody>
+          <a:bodyPr/>
+          <a:lstStyle/>
+          <a:p>
+            <a:fld id="{0ECFDC7D-F4BE-4668-920D-08874925A5D7}" type="datetime8">
+              <a:rPr lang="en-US" smtClean="0">
+                <a:solidFill>
+                  <a:prstClr val="black"/>
+                </a:solidFill>
+              </a:rPr>
+              <a:t>25-Jul-18 5:56 AM</a:t>
+            </a:fld>
+            <a:endParaRPr lang="en-US" dirty="0">
+              <a:solidFill>
+                <a:prstClr val="black"/>
+              </a:solidFill>
+            </a:endParaRPr>
+          </a:p>
+        </p:txBody>
+      </p:sp>
+      <p:sp>
+        <p:nvSpPr>
+          <p:cNvPr id="7" name="Slide Number Placeholder 6"/>
+          <p:cNvSpPr>
+            <a:spLocks noGrp="1"/>
+          </p:cNvSpPr>
+          <p:nvPr>
+            <p:ph type="sldNum" sz="quarter" idx="13"/>
+          </p:nvPr>
+        </p:nvSpPr>
+        <p:spPr/>
+        <p:txBody>
+          <a:bodyPr/>
+          <a:lstStyle/>
+          <a:p>
+            <a:fld id="{EC87E0CF-87F6-4B58-B8B8-DCAB2DAAF3CA}" type="slidenum">
+              <a:rPr lang="en-US" smtClean="0">
+                <a:solidFill>
+                  <a:prstClr val="black"/>
+                </a:solidFill>
+              </a:rPr>
+              <a:pPr/>
+              <a:t>16</a:t>
+            </a:fld>
+            <a:endParaRPr lang="en-US" dirty="0">
+              <a:solidFill>
+                <a:prstClr val="black"/>
+              </a:solidFill>
+            </a:endParaRPr>
+          </a:p>
+        </p:txBody>
+      </p:sp>
+      <p:sp>
+        <p:nvSpPr>
+          <p:cNvPr id="6" name="Footer Placeholder 5"/>
+          <p:cNvSpPr>
+            <a:spLocks noGrp="1"/>
+          </p:cNvSpPr>
+          <p:nvPr>
+            <p:ph type="ftr" sz="quarter" idx="14"/>
+          </p:nvPr>
+        </p:nvSpPr>
+        <p:spPr/>
+        <p:txBody>
+          <a:bodyPr/>
+          <a:lstStyle/>
+          <a:p>
+            <a:pPr defTabSz="914099" eaLnBrk="0" hangingPunct="0"/>
+            <a:r>
+              <a:rPr lang="en-US" sz="400" dirty="0">
+                <a:gradFill>
+                  <a:gsLst>
+                    <a:gs pos="0">
+                      <a:prstClr val="black"/>
+                    </a:gs>
+                    <a:gs pos="100000">
+                      <a:prstClr val="black"/>
+                    </a:gs>
+                  </a:gsLst>
+                  <a:lin ang="5400000" scaled="0"/>
+                </a:gradFill>
+                <a:latin typeface="Segoe UI" pitchFamily="34" charset="0"/>
+                <a:ea typeface="Segoe UI" pitchFamily="34" charset="0"/>
+                <a:cs typeface="Segoe UI" pitchFamily="34" charset="0"/>
+              </a:rPr>
+              <a:t>© Microsoft Corporation. All rights reserved. MICROSOFT MAKES NO WARRANTIES, EXPRESS, IMPLIED OR STATUTORY, AS TO THE INFORMATION IN THIS PRESENTATION.</a:t>
+            </a:r>
+          </a:p>
+        </p:txBody>
+      </p:sp>
+    </p:spTree>
+    <p:extLst>
+      <p:ext uri="{BB962C8B-B14F-4D97-AF65-F5344CB8AC3E}">
+        <p14:creationId xmlns:p14="http://schemas.microsoft.com/office/powerpoint/2010/main" val="2488976691"/>
       </p:ext>
     </p:extLst>
   </p:cSld>
@@ -1274,7 +1475,7 @@
           <a:p>
             <a:fld id="{9427A7F7-BB1E-479D-AFAA-B52F4D0C99F2}" type="datetime8">
               <a:rPr lang="en-US" smtClean="0"/>
-              <a:t>25-Jul-18 1:44 AM</a:t>
+              <a:t>25-Jul-18 5:56 AM</a:t>
             </a:fld>
             <a:endParaRPr lang="en-US" dirty="0"/>
           </a:p>
@@ -1470,7 +1671,7 @@
           <a:p>
             <a:fld id="{386CE63F-9E7F-4C04-9D0D-FCA25A8E9E86}" type="datetime8">
               <a:rPr lang="en-US" smtClean="0"/>
-              <a:t>25-Jul-18 2:17 AM</a:t>
+              <a:t>25-Jul-18 5:56 AM</a:t>
             </a:fld>
             <a:endParaRPr lang="en-US" dirty="0"/>
           </a:p>
@@ -1607,7 +1808,7 @@
           <a:p>
             <a:fld id="{D44C3489-8257-4E60-994D-6A5CEE67ED71}" type="datetime8">
               <a:rPr lang="en-US" smtClean="0"/>
-              <a:t>25-Jul-18 2:23 AM</a:t>
+              <a:t>25-Jul-18 5:56 AM</a:t>
             </a:fld>
             <a:endParaRPr lang="en-US" dirty="0"/>
           </a:p>
@@ -1854,7 +2055,7 @@
           <a:p>
             <a:fld id="{386CE63F-9E7F-4C04-9D0D-FCA25A8E9E86}" type="datetime8">
               <a:rPr lang="en-US" smtClean="0"/>
-              <a:t>25-Jul-18 2:17 AM</a:t>
+              <a:t>25-Jul-18 5:56 AM</a:t>
             </a:fld>
             <a:endParaRPr lang="en-US" dirty="0"/>
           </a:p>
@@ -2071,7 +2272,7 @@
           <a:p>
             <a:fld id="{B16574EE-8191-4BCC-ABE6-D00A4F4D7690}" type="datetime8">
               <a:rPr lang="en-US" smtClean="0"/>
-              <a:t>25-Jul-18 1:52 AM</a:t>
+              <a:t>25-Jul-18 5:56 AM</a:t>
             </a:fld>
             <a:endParaRPr lang="en-US" dirty="0"/>
           </a:p>
@@ -2208,7 +2409,7 @@
           <a:p>
             <a:fld id="{D44C3489-8257-4E60-994D-6A5CEE67ED71}" type="datetime8">
               <a:rPr lang="en-US" smtClean="0"/>
-              <a:t>25-Jul-18 5:38 AM</a:t>
+              <a:t>25-Jul-18 5:56 AM</a:t>
             </a:fld>
             <a:endParaRPr lang="en-US" dirty="0"/>
           </a:p>
@@ -2454,7 +2655,7 @@
           <a:p>
             <a:fld id="{B16574EE-8191-4BCC-ABE6-D00A4F4D7690}" type="datetime8">
               <a:rPr lang="en-US" smtClean="0"/>
-              <a:t>25-Jul-18 3:19 AM</a:t>
+              <a:t>25-Jul-18 5:56 AM</a:t>
             </a:fld>
             <a:endParaRPr lang="en-US" dirty="0"/>
           </a:p>
@@ -2658,7 +2859,7 @@
           <a:p>
             <a:fld id="{B16574EE-8191-4BCC-ABE6-D00A4F4D7690}" type="datetime8">
               <a:rPr lang="en-US" smtClean="0"/>
-              <a:t>25-Jul-18 5:42 AM</a:t>
+              <a:t>25-Jul-18 5:56 AM</a:t>
             </a:fld>
             <a:endParaRPr lang="en-US" dirty="0"/>
           </a:p>
@@ -16617,10 +16818,80 @@
           <a:chExt cx="0" cy="0"/>
         </a:xfrm>
       </p:grpSpPr>
+      <p:sp>
+        <p:nvSpPr>
+          <p:cNvPr id="2" name="Title 1">
+            <a:extLst>
+              <a:ext uri="{FF2B5EF4-FFF2-40B4-BE49-F238E27FC236}">
+                <a16:creationId xmlns:a16="http://schemas.microsoft.com/office/drawing/2014/main" id="{6F5E40AD-FF93-49AB-986B-771091B3B8B1}"/>
+              </a:ext>
+            </a:extLst>
+          </p:cNvPr>
+          <p:cNvSpPr>
+            <a:spLocks noGrp="1"/>
+          </p:cNvSpPr>
+          <p:nvPr>
+            <p:ph type="title"/>
+          </p:nvPr>
+        </p:nvSpPr>
+        <p:spPr/>
+        <p:txBody>
+          <a:bodyPr/>
+          <a:lstStyle/>
+          <a:p>
+            <a:r>
+              <a:rPr lang="en-US" dirty="0"/>
+              <a:t>Thank You!</a:t>
+            </a:r>
+          </a:p>
+        </p:txBody>
+      </p:sp>
     </p:spTree>
     <p:extLst>
       <p:ext uri="{BB962C8B-B14F-4D97-AF65-F5344CB8AC3E}">
         <p14:creationId xmlns:p14="http://schemas.microsoft.com/office/powerpoint/2010/main" val="2402828649"/>
+      </p:ext>
+    </p:extLst>
+  </p:cSld>
+  <p:clrMapOvr>
+    <a:masterClrMapping/>
+  </p:clrMapOvr>
+  <mc:AlternateContent xmlns:mc="http://schemas.openxmlformats.org/markup-compatibility/2006" xmlns:p14="http://schemas.microsoft.com/office/powerpoint/2010/main">
+    <mc:Choice Requires="p14">
+      <p:transition spd="med" p14:dur="700">
+        <p:fade/>
+      </p:transition>
+    </mc:Choice>
+    <mc:Fallback xmlns="">
+      <p:transition spd="med">
+        <p:fade/>
+      </p:transition>
+    </mc:Fallback>
+  </mc:AlternateContent>
+</p:sld>
+</file>
+
+<file path=ppt/slides/slide16.xml><?xml version="1.0" encoding="utf-8"?>
+<p:sld xmlns:a="http://schemas.openxmlformats.org/drawingml/2006/main" xmlns:r="http://schemas.openxmlformats.org/officeDocument/2006/relationships" xmlns:p="http://schemas.openxmlformats.org/presentationml/2006/main">
+  <p:cSld>
+    <p:spTree>
+      <p:nvGrpSpPr>
+        <p:cNvPr id="1" name=""/>
+        <p:cNvGrpSpPr/>
+        <p:nvPr/>
+      </p:nvGrpSpPr>
+      <p:grpSpPr>
+        <a:xfrm>
+          <a:off x="0" y="0"/>
+          <a:ext cx="0" cy="0"/>
+          <a:chOff x="0" y="0"/>
+          <a:chExt cx="0" cy="0"/>
+        </a:xfrm>
+      </p:grpSpPr>
+    </p:spTree>
+    <p:extLst>
+      <p:ext uri="{BB962C8B-B14F-4D97-AF65-F5344CB8AC3E}">
+        <p14:creationId xmlns:p14="http://schemas.microsoft.com/office/powerpoint/2010/main" val="3376071885"/>
       </p:ext>
     </p:extLst>
   </p:cSld>
@@ -16737,6 +17008,14 @@
             </a:r>
           </a:p>
           <a:p>
+            <a:r>
+              <a:rPr lang="en-US" dirty="0"/>
+              <a:t>Dependency Tracking </a:t>
+            </a:r>
+            <a:r>
+              <a:rPr lang="en-US"/>
+              <a:t>/ Coordinating</a:t>
+            </a:r>
             <a:endParaRPr lang="en-US" dirty="0"/>
           </a:p>
         </p:txBody>
@@ -18849,12 +19128,9 @@
 </file>
 
 <file path=customXml/item1.xml><?xml version="1.0" encoding="utf-8"?>
-<?mso-contentType ?>
-<FormTemplates xmlns="http://schemas.microsoft.com/sharepoint/v3/contenttype/forms">
-  <Display>DocumentLibraryForm</Display>
-  <Edit>DocumentLibraryForm</Edit>
-  <New>DocumentLibraryForm</New>
-</FormTemplates>
+<p:properties xmlns:p="http://schemas.microsoft.com/office/2006/metadata/properties" xmlns:xsi="http://www.w3.org/2001/XMLSchema-instance" xmlns:pc="http://schemas.microsoft.com/office/infopath/2007/PartnerControls">
+  <documentManagement/>
+</p:properties>
 </file>
 
 <file path=customXml/item2.xml><?xml version="1.0" encoding="utf-8"?>
@@ -19012,15 +19288,26 @@
 </file>
 
 <file path=customXml/item3.xml><?xml version="1.0" encoding="utf-8"?>
-<p:properties xmlns:p="http://schemas.microsoft.com/office/2006/metadata/properties" xmlns:xsi="http://www.w3.org/2001/XMLSchema-instance" xmlns:pc="http://schemas.microsoft.com/office/infopath/2007/PartnerControls">
-  <documentManagement/>
-</p:properties>
+<?mso-contentType ?>
+<FormTemplates xmlns="http://schemas.microsoft.com/sharepoint/v3/contenttype/forms">
+  <Display>DocumentLibraryForm</Display>
+  <Edit>DocumentLibraryForm</Edit>
+  <New>DocumentLibraryForm</New>
+</FormTemplates>
 </file>
 
 <file path=customXml/itemProps1.xml><?xml version="1.0" encoding="utf-8"?>
-<ds:datastoreItem xmlns:ds="http://schemas.openxmlformats.org/officeDocument/2006/customXml" ds:itemID="{758FDAC0-319D-4A54-8D8E-1D42CB1F8004}">
+<ds:datastoreItem xmlns:ds="http://schemas.openxmlformats.org/officeDocument/2006/customXml" ds:itemID="{F990F116-B58F-4255-B05B-DA3808E0E5C6}">
   <ds:schemaRefs>
-    <ds:schemaRef ds:uri="http://schemas.microsoft.com/sharepoint/v3/contenttype/forms"/>
+    <ds:schemaRef ds:uri="http://purl.org/dc/elements/1.1/"/>
+    <ds:schemaRef ds:uri="http://schemas.openxmlformats.org/package/2006/metadata/core-properties"/>
+    <ds:schemaRef ds:uri="http://schemas.microsoft.com/office/2006/metadata/properties"/>
+    <ds:schemaRef ds:uri="http://schemas.microsoft.com/office/2006/documentManagement/types"/>
+    <ds:schemaRef ds:uri="http://www.w3.org/XML/1998/namespace"/>
+    <ds:schemaRef ds:uri="http://schemas.microsoft.com/office/infopath/2007/PartnerControls"/>
+    <ds:schemaRef ds:uri="http://purl.org/dc/dcmitype/"/>
+    <ds:schemaRef ds:uri="630a2e83-186a-4a0f-ab27-bee8a8096abc"/>
+    <ds:schemaRef ds:uri="http://purl.org/dc/terms/"/>
   </ds:schemaRefs>
 </ds:datastoreItem>
 </file>
@@ -19044,17 +19331,9 @@
 </file>
 
 <file path=customXml/itemProps3.xml><?xml version="1.0" encoding="utf-8"?>
-<ds:datastoreItem xmlns:ds="http://schemas.openxmlformats.org/officeDocument/2006/customXml" ds:itemID="{F990F116-B58F-4255-B05B-DA3808E0E5C6}">
+<ds:datastoreItem xmlns:ds="http://schemas.openxmlformats.org/officeDocument/2006/customXml" ds:itemID="{758FDAC0-319D-4A54-8D8E-1D42CB1F8004}">
   <ds:schemaRefs>
-    <ds:schemaRef ds:uri="http://purl.org/dc/elements/1.1/"/>
-    <ds:schemaRef ds:uri="http://schemas.openxmlformats.org/package/2006/metadata/core-properties"/>
-    <ds:schemaRef ds:uri="http://schemas.microsoft.com/office/2006/metadata/properties"/>
-    <ds:schemaRef ds:uri="http://schemas.microsoft.com/office/2006/documentManagement/types"/>
-    <ds:schemaRef ds:uri="http://www.w3.org/XML/1998/namespace"/>
-    <ds:schemaRef ds:uri="http://schemas.microsoft.com/office/infopath/2007/PartnerControls"/>
-    <ds:schemaRef ds:uri="http://purl.org/dc/dcmitype/"/>
-    <ds:schemaRef ds:uri="630a2e83-186a-4a0f-ab27-bee8a8096abc"/>
-    <ds:schemaRef ds:uri="http://purl.org/dc/terms/"/>
+    <ds:schemaRef ds:uri="http://schemas.microsoft.com/sharepoint/v3/contenttype/forms"/>
   </ds:schemaRefs>
 </ds:datastoreItem>
 </file>
--- a/Slides.pptx
+++ b/Slides.pptx
@@ -6,28 +6,32 @@
     <p:sldMasterId id="2147484700" r:id="rId5"/>
   </p:sldMasterIdLst>
   <p:notesMasterIdLst>
-    <p:notesMasterId r:id="rId22"/>
+    <p:notesMasterId r:id="rId26"/>
   </p:notesMasterIdLst>
   <p:handoutMasterIdLst>
-    <p:handoutMasterId r:id="rId23"/>
+    <p:handoutMasterId r:id="rId27"/>
   </p:handoutMasterIdLst>
   <p:sldIdLst>
     <p:sldId id="1663" r:id="rId6"/>
     <p:sldId id="1670" r:id="rId7"/>
-    <p:sldId id="1672" r:id="rId8"/>
-    <p:sldId id="1674" r:id="rId9"/>
-    <p:sldId id="1530" r:id="rId10"/>
-    <p:sldId id="1673" r:id="rId11"/>
-    <p:sldId id="1675" r:id="rId12"/>
-    <p:sldId id="1527" r:id="rId13"/>
-    <p:sldId id="1676" r:id="rId14"/>
-    <p:sldId id="1678" r:id="rId15"/>
-    <p:sldId id="1677" r:id="rId16"/>
-    <p:sldId id="1679" r:id="rId17"/>
-    <p:sldId id="1681" r:id="rId18"/>
-    <p:sldId id="1671" r:id="rId19"/>
-    <p:sldId id="1532" r:id="rId20"/>
-    <p:sldId id="1682" r:id="rId21"/>
+    <p:sldId id="1683" r:id="rId8"/>
+    <p:sldId id="1672" r:id="rId9"/>
+    <p:sldId id="1674" r:id="rId10"/>
+    <p:sldId id="1530" r:id="rId11"/>
+    <p:sldId id="1673" r:id="rId12"/>
+    <p:sldId id="1675" r:id="rId13"/>
+    <p:sldId id="1684" r:id="rId14"/>
+    <p:sldId id="1527" r:id="rId15"/>
+    <p:sldId id="1676" r:id="rId16"/>
+    <p:sldId id="1678" r:id="rId17"/>
+    <p:sldId id="1677" r:id="rId18"/>
+    <p:sldId id="1679" r:id="rId19"/>
+    <p:sldId id="1681" r:id="rId20"/>
+    <p:sldId id="1686" r:id="rId21"/>
+    <p:sldId id="1685" r:id="rId22"/>
+    <p:sldId id="1671" r:id="rId23"/>
+    <p:sldId id="1532" r:id="rId24"/>
+    <p:sldId id="1682" r:id="rId25"/>
   </p:sldIdLst>
   <p:sldSz cx="9144000" cy="6858000" type="screen4x3"/>
   <p:notesSz cx="6858000" cy="9144000"/>
@@ -255,7 +259,7 @@
               <a:rPr lang="en-US" smtClean="0">
                 <a:latin typeface="Segoe UI" pitchFamily="34" charset="0"/>
               </a:rPr>
-              <a:t>25-Jul-18 5:56 AM</a:t>
+              <a:t>2018-07-25 3:56 PM</a:t>
             </a:fld>
             <a:endParaRPr lang="en-US" dirty="0">
               <a:latin typeface="Segoe UI" pitchFamily="34" charset="0"/>
@@ -533,7 +537,7 @@
           <a:p>
             <a:fld id="{386CE63F-9E7F-4C04-9D0D-FCA25A8E9E86}" type="datetime8">
               <a:rPr lang="en-US" smtClean="0"/>
-              <a:t>25-Jul-18 5:56 AM</a:t>
+              <a:t>2018-07-25 3:56 PM</a:t>
             </a:fld>
             <a:endParaRPr lang="en-US" dirty="0"/>
           </a:p>
@@ -905,7 +909,7 @@
           <a:p>
             <a:fld id="{321E5A7B-BB8D-4368-A182-109669521632}" type="datetime8">
               <a:rPr lang="en-US" smtClean="0"/>
-              <a:t>25-Jul-18 5:56 AM</a:t>
+              <a:t>2018-07-25 3:56 PM</a:t>
             </a:fld>
             <a:endParaRPr lang="en-US" dirty="0"/>
           </a:p>
@@ -994,12 +998,44 @@
         </p:nvSpPr>
         <p:spPr/>
         <p:txBody>
-          <a:bodyPr>
-            <a:normAutofit/>
-          </a:bodyPr>
+          <a:bodyPr/>
           <a:lstStyle/>
           <a:p>
+            <a:r>
+              <a:rPr lang="en-US" dirty="0"/>
+              <a:t>Show:</a:t>
+            </a:r>
+          </a:p>
+          <a:p>
+            <a:r>
+              <a:rPr lang="en-US" dirty="0"/>
+              <a:t> * /</a:t>
+            </a:r>
+            <a:r>
+              <a:rPr lang="en-US" dirty="0" err="1"/>
+              <a:t>t:Pack</a:t>
+            </a:r>
             <a:endParaRPr lang="en-US" dirty="0"/>
+          </a:p>
+          <a:p>
+            <a:r>
+              <a:rPr lang="en-US" dirty="0"/>
+              <a:t> * /</a:t>
+            </a:r>
+            <a:r>
+              <a:rPr lang="en-US" dirty="0" err="1"/>
+              <a:t>t:Pack</a:t>
+            </a:r>
+            <a:r>
+              <a:rPr lang="en-US" dirty="0"/>
+              <a:t> with properties</a:t>
+            </a:r>
+          </a:p>
+          <a:p>
+            <a:r>
+              <a:rPr lang="en-US" dirty="0"/>
+              <a:t> * The properties in the .csproj</a:t>
+            </a:r>
           </a:p>
         </p:txBody>
       </p:sp>
@@ -1011,37 +1047,6 @@
           </p:cNvSpPr>
           <p:nvPr>
             <p:ph type="hdr" sz="quarter" idx="10"/>
-          </p:nvPr>
-        </p:nvSpPr>
-        <p:spPr>
-          <a:xfrm>
-            <a:off x="0" y="0"/>
-            <a:ext cx="2971800" cy="457200"/>
-          </a:xfrm>
-          <a:prstGeom prst="rect">
-            <a:avLst/>
-          </a:prstGeom>
-        </p:spPr>
-        <p:txBody>
-          <a:bodyPr/>
-          <a:lstStyle/>
-          <a:p>
-            <a:endParaRPr lang="en-US" dirty="0">
-              <a:solidFill>
-                <a:prstClr val="black"/>
-              </a:solidFill>
-            </a:endParaRPr>
-          </a:p>
-        </p:txBody>
-      </p:sp>
-      <p:sp>
-        <p:nvSpPr>
-          <p:cNvPr id="5" name="Date Placeholder 4"/>
-          <p:cNvSpPr>
-            <a:spLocks noGrp="1"/>
-          </p:cNvSpPr>
-          <p:nvPr>
-            <p:ph type="dt" idx="11"/>
           </p:nvPr>
         </p:nvSpPr>
         <p:spPr/>
@@ -1049,62 +1054,18 @@
           <a:bodyPr/>
           <a:lstStyle/>
           <a:p>
-            <a:fld id="{0ECFDC7D-F4BE-4668-920D-08874925A5D7}" type="datetime8">
-              <a:rPr lang="en-US" smtClean="0">
-                <a:solidFill>
-                  <a:prstClr val="black"/>
-                </a:solidFill>
-              </a:rPr>
-              <a:t>25-Jul-18 5:56 AM</a:t>
-            </a:fld>
-            <a:endParaRPr lang="en-US" dirty="0">
-              <a:solidFill>
-                <a:prstClr val="black"/>
-              </a:solidFill>
-            </a:endParaRPr>
+            <a:endParaRPr lang="en-US" dirty="0"/>
           </a:p>
         </p:txBody>
       </p:sp>
       <p:sp>
         <p:nvSpPr>
-          <p:cNvPr id="7" name="Slide Number Placeholder 6"/>
+          <p:cNvPr id="5" name="Footer Placeholder 4"/>
           <p:cNvSpPr>
             <a:spLocks noGrp="1"/>
           </p:cNvSpPr>
           <p:nvPr>
-            <p:ph type="sldNum" sz="quarter" idx="13"/>
-          </p:nvPr>
-        </p:nvSpPr>
-        <p:spPr/>
-        <p:txBody>
-          <a:bodyPr/>
-          <a:lstStyle/>
-          <a:p>
-            <a:fld id="{EC87E0CF-87F6-4B58-B8B8-DCAB2DAAF3CA}" type="slidenum">
-              <a:rPr lang="en-US" smtClean="0">
-                <a:solidFill>
-                  <a:prstClr val="black"/>
-                </a:solidFill>
-              </a:rPr>
-              <a:pPr/>
-              <a:t>15</a:t>
-            </a:fld>
-            <a:endParaRPr lang="en-US" dirty="0">
-              <a:solidFill>
-                <a:prstClr val="black"/>
-              </a:solidFill>
-            </a:endParaRPr>
-          </a:p>
-        </p:txBody>
-      </p:sp>
-      <p:sp>
-        <p:nvSpPr>
-          <p:cNvPr id="6" name="Footer Placeholder 5"/>
-          <p:cNvSpPr>
-            <a:spLocks noGrp="1"/>
-          </p:cNvSpPr>
-          <p:nvPr>
-            <p:ph type="ftr" sz="quarter" idx="14"/>
+            <p:ph type="ftr" sz="quarter" idx="11"/>
           </p:nvPr>
         </p:nvSpPr>
         <p:spPr/>
@@ -1135,10 +1096,57 @@
           </a:p>
         </p:txBody>
       </p:sp>
+      <p:sp>
+        <p:nvSpPr>
+          <p:cNvPr id="6" name="Date Placeholder 5"/>
+          <p:cNvSpPr>
+            <a:spLocks noGrp="1"/>
+          </p:cNvSpPr>
+          <p:nvPr>
+            <p:ph type="dt" idx="12"/>
+          </p:nvPr>
+        </p:nvSpPr>
+        <p:spPr/>
+        <p:txBody>
+          <a:bodyPr/>
+          <a:lstStyle/>
+          <a:p>
+            <a:fld id="{B16574EE-8191-4BCC-ABE6-D00A4F4D7690}" type="datetime8">
+              <a:rPr lang="en-US" smtClean="0"/>
+              <a:t>2018-07-25 3:56 PM</a:t>
+            </a:fld>
+            <a:endParaRPr lang="en-US" dirty="0"/>
+          </a:p>
+        </p:txBody>
+      </p:sp>
+      <p:sp>
+        <p:nvSpPr>
+          <p:cNvPr id="7" name="Slide Number Placeholder 6"/>
+          <p:cNvSpPr>
+            <a:spLocks noGrp="1"/>
+          </p:cNvSpPr>
+          <p:nvPr>
+            <p:ph type="sldNum" sz="quarter" idx="13"/>
+          </p:nvPr>
+        </p:nvSpPr>
+        <p:spPr/>
+        <p:txBody>
+          <a:bodyPr/>
+          <a:lstStyle/>
+          <a:p>
+            <a:fld id="{B4008EB6-D09E-4580-8CD6-DDB14511944F}" type="slidenum">
+              <a:rPr lang="en-US" smtClean="0"/>
+              <a:pPr/>
+              <a:t>15</a:t>
+            </a:fld>
+            <a:endParaRPr lang="en-US" dirty="0"/>
+          </a:p>
+        </p:txBody>
+      </p:sp>
     </p:spTree>
     <p:extLst>
       <p:ext uri="{BB962C8B-B14F-4D97-AF65-F5344CB8AC3E}">
-        <p14:creationId xmlns:p14="http://schemas.microsoft.com/office/powerpoint/2010/main" val="2185510719"/>
+        <p14:creationId xmlns:p14="http://schemas.microsoft.com/office/powerpoint/2010/main" val="2141153949"/>
       </p:ext>
     </p:extLst>
   </p:cSld>
@@ -1194,6 +1202,176 @@
         </p:nvSpPr>
         <p:spPr/>
         <p:txBody>
+          <a:bodyPr/>
+          <a:lstStyle/>
+          <a:p>
+            <a:endParaRPr lang="en-US" dirty="0"/>
+          </a:p>
+        </p:txBody>
+      </p:sp>
+      <p:sp>
+        <p:nvSpPr>
+          <p:cNvPr id="4" name="Header Placeholder 3"/>
+          <p:cNvSpPr>
+            <a:spLocks noGrp="1"/>
+          </p:cNvSpPr>
+          <p:nvPr>
+            <p:ph type="hdr" sz="quarter" idx="10"/>
+          </p:nvPr>
+        </p:nvSpPr>
+        <p:spPr/>
+        <p:txBody>
+          <a:bodyPr/>
+          <a:lstStyle/>
+          <a:p>
+            <a:endParaRPr lang="en-US" dirty="0"/>
+          </a:p>
+        </p:txBody>
+      </p:sp>
+      <p:sp>
+        <p:nvSpPr>
+          <p:cNvPr id="5" name="Footer Placeholder 4"/>
+          <p:cNvSpPr>
+            <a:spLocks noGrp="1"/>
+          </p:cNvSpPr>
+          <p:nvPr>
+            <p:ph type="ftr" sz="quarter" idx="11"/>
+          </p:nvPr>
+        </p:nvSpPr>
+        <p:spPr/>
+        <p:txBody>
+          <a:bodyPr/>
+          <a:lstStyle/>
+          <a:p>
+            <a:pPr defTabSz="914099" eaLnBrk="0" hangingPunct="0"/>
+            <a:r>
+              <a:rPr lang="en-US" sz="400" dirty="0">
+                <a:gradFill>
+                  <a:gsLst>
+                    <a:gs pos="0">
+                      <a:prstClr val="black"/>
+                    </a:gs>
+                    <a:gs pos="100000">
+                      <a:prstClr val="black"/>
+                    </a:gs>
+                  </a:gsLst>
+                  <a:lin ang="5400000" scaled="0"/>
+                </a:gradFill>
+                <a:latin typeface="Segoe UI" pitchFamily="34" charset="0"/>
+                <a:ea typeface="Segoe UI" pitchFamily="34" charset="0"/>
+                <a:cs typeface="Segoe UI" pitchFamily="34" charset="0"/>
+              </a:rPr>
+              <a:t>© Microsoft Corporation. All rights reserved. MICROSOFT MAKES NO WARRANTIES, EXPRESS, IMPLIED OR STATUTORY, AS TO THE INFORMATION IN THIS PRESENTATION.</a:t>
+            </a:r>
+          </a:p>
+        </p:txBody>
+      </p:sp>
+      <p:sp>
+        <p:nvSpPr>
+          <p:cNvPr id="6" name="Date Placeholder 5"/>
+          <p:cNvSpPr>
+            <a:spLocks noGrp="1"/>
+          </p:cNvSpPr>
+          <p:nvPr>
+            <p:ph type="dt" idx="12"/>
+          </p:nvPr>
+        </p:nvSpPr>
+        <p:spPr/>
+        <p:txBody>
+          <a:bodyPr/>
+          <a:lstStyle/>
+          <a:p>
+            <a:fld id="{B16574EE-8191-4BCC-ABE6-D00A4F4D7690}" type="datetime8">
+              <a:rPr lang="en-US" smtClean="0"/>
+              <a:t>2018-07-25 5:39 PM</a:t>
+            </a:fld>
+            <a:endParaRPr lang="en-US" dirty="0"/>
+          </a:p>
+        </p:txBody>
+      </p:sp>
+      <p:sp>
+        <p:nvSpPr>
+          <p:cNvPr id="7" name="Slide Number Placeholder 6"/>
+          <p:cNvSpPr>
+            <a:spLocks noGrp="1"/>
+          </p:cNvSpPr>
+          <p:nvPr>
+            <p:ph type="sldNum" sz="quarter" idx="13"/>
+          </p:nvPr>
+        </p:nvSpPr>
+        <p:spPr/>
+        <p:txBody>
+          <a:bodyPr/>
+          <a:lstStyle/>
+          <a:p>
+            <a:fld id="{B4008EB6-D09E-4580-8CD6-DDB14511944F}" type="slidenum">
+              <a:rPr lang="en-US" smtClean="0"/>
+              <a:pPr/>
+              <a:t>17</a:t>
+            </a:fld>
+            <a:endParaRPr lang="en-US" dirty="0"/>
+          </a:p>
+        </p:txBody>
+      </p:sp>
+    </p:spTree>
+    <p:extLst>
+      <p:ext uri="{BB962C8B-B14F-4D97-AF65-F5344CB8AC3E}">
+        <p14:creationId xmlns:p14="http://schemas.microsoft.com/office/powerpoint/2010/main" val="2674098131"/>
+      </p:ext>
+    </p:extLst>
+  </p:cSld>
+  <p:clrMapOvr>
+    <a:masterClrMapping/>
+  </p:clrMapOvr>
+</p:notes>
+</file>
+
+<file path=ppt/notesSlides/notesSlide12.xml><?xml version="1.0" encoding="utf-8"?>
+<p:notes xmlns:a="http://schemas.openxmlformats.org/drawingml/2006/main" xmlns:r="http://schemas.openxmlformats.org/officeDocument/2006/relationships" xmlns:p="http://schemas.openxmlformats.org/presentationml/2006/main">
+  <p:cSld>
+    <p:spTree>
+      <p:nvGrpSpPr>
+        <p:cNvPr id="1" name=""/>
+        <p:cNvGrpSpPr/>
+        <p:nvPr/>
+      </p:nvGrpSpPr>
+      <p:grpSpPr>
+        <a:xfrm>
+          <a:off x="0" y="0"/>
+          <a:ext cx="0" cy="0"/>
+          <a:chOff x="0" y="0"/>
+          <a:chExt cx="0" cy="0"/>
+        </a:xfrm>
+      </p:grpSpPr>
+      <p:sp>
+        <p:nvSpPr>
+          <p:cNvPr id="2" name="Slide Image Placeholder 1"/>
+          <p:cNvSpPr>
+            <a:spLocks noGrp="1" noRot="1" noChangeAspect="1"/>
+          </p:cNvSpPr>
+          <p:nvPr>
+            <p:ph type="sldImg"/>
+          </p:nvPr>
+        </p:nvSpPr>
+        <p:spPr>
+          <a:xfrm>
+            <a:off x="1143000" y="685800"/>
+            <a:ext cx="4572000" cy="3429000"/>
+          </a:xfrm>
+        </p:spPr>
+      </p:sp>
+      <p:sp>
+        <p:nvSpPr>
+          <p:cNvPr id="3" name="Notes Placeholder 2"/>
+          <p:cNvSpPr>
+            <a:spLocks noGrp="1"/>
+          </p:cNvSpPr>
+          <p:nvPr>
+            <p:ph type="body" idx="1"/>
+          </p:nvPr>
+        </p:nvSpPr>
+        <p:spPr/>
+        <p:txBody>
           <a:bodyPr>
             <a:normAutofit/>
           </a:bodyPr>
@@ -1255,7 +1433,7 @@
                   <a:prstClr val="black"/>
                 </a:solidFill>
               </a:rPr>
-              <a:t>25-Jul-18 5:56 AM</a:t>
+              <a:t>2018-07-25 3:56 PM</a:t>
             </a:fld>
             <a:endParaRPr lang="en-US" dirty="0">
               <a:solidFill>
@@ -1287,7 +1465,207 @@
                 </a:solidFill>
               </a:rPr>
               <a:pPr/>
-              <a:t>16</a:t>
+              <a:t>19</a:t>
+            </a:fld>
+            <a:endParaRPr lang="en-US" dirty="0">
+              <a:solidFill>
+                <a:prstClr val="black"/>
+              </a:solidFill>
+            </a:endParaRPr>
+          </a:p>
+        </p:txBody>
+      </p:sp>
+      <p:sp>
+        <p:nvSpPr>
+          <p:cNvPr id="6" name="Footer Placeholder 5"/>
+          <p:cNvSpPr>
+            <a:spLocks noGrp="1"/>
+          </p:cNvSpPr>
+          <p:nvPr>
+            <p:ph type="ftr" sz="quarter" idx="14"/>
+          </p:nvPr>
+        </p:nvSpPr>
+        <p:spPr/>
+        <p:txBody>
+          <a:bodyPr/>
+          <a:lstStyle/>
+          <a:p>
+            <a:pPr defTabSz="914099" eaLnBrk="0" hangingPunct="0"/>
+            <a:r>
+              <a:rPr lang="en-US" sz="400" dirty="0">
+                <a:gradFill>
+                  <a:gsLst>
+                    <a:gs pos="0">
+                      <a:prstClr val="black"/>
+                    </a:gs>
+                    <a:gs pos="100000">
+                      <a:prstClr val="black"/>
+                    </a:gs>
+                  </a:gsLst>
+                  <a:lin ang="5400000" scaled="0"/>
+                </a:gradFill>
+                <a:latin typeface="Segoe UI" pitchFamily="34" charset="0"/>
+                <a:ea typeface="Segoe UI" pitchFamily="34" charset="0"/>
+                <a:cs typeface="Segoe UI" pitchFamily="34" charset="0"/>
+              </a:rPr>
+              <a:t>© Microsoft Corporation. All rights reserved. MICROSOFT MAKES NO WARRANTIES, EXPRESS, IMPLIED OR STATUTORY, AS TO THE INFORMATION IN THIS PRESENTATION.</a:t>
+            </a:r>
+          </a:p>
+        </p:txBody>
+      </p:sp>
+    </p:spTree>
+    <p:extLst>
+      <p:ext uri="{BB962C8B-B14F-4D97-AF65-F5344CB8AC3E}">
+        <p14:creationId xmlns:p14="http://schemas.microsoft.com/office/powerpoint/2010/main" val="2185510719"/>
+      </p:ext>
+    </p:extLst>
+  </p:cSld>
+  <p:clrMapOvr>
+    <a:masterClrMapping/>
+  </p:clrMapOvr>
+</p:notes>
+</file>
+
+<file path=ppt/notesSlides/notesSlide13.xml><?xml version="1.0" encoding="utf-8"?>
+<p:notes xmlns:a="http://schemas.openxmlformats.org/drawingml/2006/main" xmlns:r="http://schemas.openxmlformats.org/officeDocument/2006/relationships" xmlns:p="http://schemas.openxmlformats.org/presentationml/2006/main">
+  <p:cSld>
+    <p:spTree>
+      <p:nvGrpSpPr>
+        <p:cNvPr id="1" name=""/>
+        <p:cNvGrpSpPr/>
+        <p:nvPr/>
+      </p:nvGrpSpPr>
+      <p:grpSpPr>
+        <a:xfrm>
+          <a:off x="0" y="0"/>
+          <a:ext cx="0" cy="0"/>
+          <a:chOff x="0" y="0"/>
+          <a:chExt cx="0" cy="0"/>
+        </a:xfrm>
+      </p:grpSpPr>
+      <p:sp>
+        <p:nvSpPr>
+          <p:cNvPr id="2" name="Slide Image Placeholder 1"/>
+          <p:cNvSpPr>
+            <a:spLocks noGrp="1" noRot="1" noChangeAspect="1"/>
+          </p:cNvSpPr>
+          <p:nvPr>
+            <p:ph type="sldImg"/>
+          </p:nvPr>
+        </p:nvSpPr>
+        <p:spPr>
+          <a:xfrm>
+            <a:off x="1143000" y="685800"/>
+            <a:ext cx="4572000" cy="3429000"/>
+          </a:xfrm>
+        </p:spPr>
+      </p:sp>
+      <p:sp>
+        <p:nvSpPr>
+          <p:cNvPr id="3" name="Notes Placeholder 2"/>
+          <p:cNvSpPr>
+            <a:spLocks noGrp="1"/>
+          </p:cNvSpPr>
+          <p:nvPr>
+            <p:ph type="body" idx="1"/>
+          </p:nvPr>
+        </p:nvSpPr>
+        <p:spPr/>
+        <p:txBody>
+          <a:bodyPr>
+            <a:normAutofit/>
+          </a:bodyPr>
+          <a:lstStyle/>
+          <a:p>
+            <a:endParaRPr lang="en-US" dirty="0"/>
+          </a:p>
+        </p:txBody>
+      </p:sp>
+      <p:sp>
+        <p:nvSpPr>
+          <p:cNvPr id="4" name="Header Placeholder 3"/>
+          <p:cNvSpPr>
+            <a:spLocks noGrp="1"/>
+          </p:cNvSpPr>
+          <p:nvPr>
+            <p:ph type="hdr" sz="quarter" idx="10"/>
+          </p:nvPr>
+        </p:nvSpPr>
+        <p:spPr>
+          <a:xfrm>
+            <a:off x="0" y="0"/>
+            <a:ext cx="2971800" cy="457200"/>
+          </a:xfrm>
+          <a:prstGeom prst="rect">
+            <a:avLst/>
+          </a:prstGeom>
+        </p:spPr>
+        <p:txBody>
+          <a:bodyPr/>
+          <a:lstStyle/>
+          <a:p>
+            <a:endParaRPr lang="en-US" dirty="0">
+              <a:solidFill>
+                <a:prstClr val="black"/>
+              </a:solidFill>
+            </a:endParaRPr>
+          </a:p>
+        </p:txBody>
+      </p:sp>
+      <p:sp>
+        <p:nvSpPr>
+          <p:cNvPr id="5" name="Date Placeholder 4"/>
+          <p:cNvSpPr>
+            <a:spLocks noGrp="1"/>
+          </p:cNvSpPr>
+          <p:nvPr>
+            <p:ph type="dt" idx="11"/>
+          </p:nvPr>
+        </p:nvSpPr>
+        <p:spPr/>
+        <p:txBody>
+          <a:bodyPr/>
+          <a:lstStyle/>
+          <a:p>
+            <a:fld id="{0ECFDC7D-F4BE-4668-920D-08874925A5D7}" type="datetime8">
+              <a:rPr lang="en-US" smtClean="0">
+                <a:solidFill>
+                  <a:prstClr val="black"/>
+                </a:solidFill>
+              </a:rPr>
+              <a:t>2018-07-25 3:56 PM</a:t>
+            </a:fld>
+            <a:endParaRPr lang="en-US" dirty="0">
+              <a:solidFill>
+                <a:prstClr val="black"/>
+              </a:solidFill>
+            </a:endParaRPr>
+          </a:p>
+        </p:txBody>
+      </p:sp>
+      <p:sp>
+        <p:nvSpPr>
+          <p:cNvPr id="7" name="Slide Number Placeholder 6"/>
+          <p:cNvSpPr>
+            <a:spLocks noGrp="1"/>
+          </p:cNvSpPr>
+          <p:nvPr>
+            <p:ph type="sldNum" sz="quarter" idx="13"/>
+          </p:nvPr>
+        </p:nvSpPr>
+        <p:spPr/>
+        <p:txBody>
+          <a:bodyPr/>
+          <a:lstStyle/>
+          <a:p>
+            <a:fld id="{EC87E0CF-87F6-4B58-B8B8-DCAB2DAAF3CA}" type="slidenum">
+              <a:rPr lang="en-US" smtClean="0">
+                <a:solidFill>
+                  <a:prstClr val="black"/>
+                </a:solidFill>
+              </a:rPr>
+              <a:pPr/>
+              <a:t>20</a:t>
             </a:fld>
             <a:endParaRPr lang="en-US" dirty="0">
               <a:solidFill>
@@ -1475,7 +1853,7 @@
           <a:p>
             <a:fld id="{9427A7F7-BB1E-479D-AFAA-B52F4D0C99F2}" type="datetime8">
               <a:rPr lang="en-US" smtClean="0"/>
-              <a:t>25-Jul-18 5:56 AM</a:t>
+              <a:t>2018-07-25 3:56 PM</a:t>
             </a:fld>
             <a:endParaRPr lang="en-US" dirty="0"/>
           </a:p>
@@ -1671,7 +2049,7 @@
           <a:p>
             <a:fld id="{386CE63F-9E7F-4C04-9D0D-FCA25A8E9E86}" type="datetime8">
               <a:rPr lang="en-US" smtClean="0"/>
-              <a:t>25-Jul-18 5:56 AM</a:t>
+              <a:t>2018-07-25 3:56 PM</a:t>
             </a:fld>
             <a:endParaRPr lang="en-US" dirty="0"/>
           </a:p>
@@ -1695,7 +2073,7 @@
             <a:fld id="{B4008EB6-D09E-4580-8CD6-DDB14511944F}" type="slidenum">
               <a:rPr lang="en-US" smtClean="0"/>
               <a:pPr/>
-              <a:t>4</a:t>
+              <a:t>5</a:t>
             </a:fld>
             <a:endParaRPr lang="en-US" dirty="0"/>
           </a:p>
@@ -1785,7 +2163,7 @@
             <a:fld id="{B4008EB6-D09E-4580-8CD6-DDB14511944F}" type="slidenum">
               <a:rPr lang="en-US" smtClean="0"/>
               <a:pPr/>
-              <a:t>5</a:t>
+              <a:t>6</a:t>
             </a:fld>
             <a:endParaRPr lang="en-US" dirty="0"/>
           </a:p>
@@ -1808,7 +2186,7 @@
           <a:p>
             <a:fld id="{D44C3489-8257-4E60-994D-6A5CEE67ED71}" type="datetime8">
               <a:rPr lang="en-US" smtClean="0"/>
-              <a:t>25-Jul-18 5:56 AM</a:t>
+              <a:t>2018-07-25 3:56 PM</a:t>
             </a:fld>
             <a:endParaRPr lang="en-US" dirty="0"/>
           </a:p>
@@ -2055,7 +2433,7 @@
           <a:p>
             <a:fld id="{386CE63F-9E7F-4C04-9D0D-FCA25A8E9E86}" type="datetime8">
               <a:rPr lang="en-US" smtClean="0"/>
-              <a:t>25-Jul-18 5:56 AM</a:t>
+              <a:t>2018-07-25 3:56 PM</a:t>
             </a:fld>
             <a:endParaRPr lang="en-US" dirty="0"/>
           </a:p>
@@ -2079,7 +2457,7 @@
             <a:fld id="{B4008EB6-D09E-4580-8CD6-DDB14511944F}" type="slidenum">
               <a:rPr lang="en-US" smtClean="0"/>
               <a:pPr/>
-              <a:t>6</a:t>
+              <a:t>7</a:t>
             </a:fld>
             <a:endParaRPr lang="en-US" dirty="0"/>
           </a:p>
@@ -2147,65 +2525,18 @@
           <a:bodyPr/>
           <a:lstStyle/>
           <a:p>
-            <a:r>
-              <a:rPr lang="en-US" dirty="0"/>
-              <a:t>There are multiple things wrong with this solution:</a:t>
-            </a:r>
-          </a:p>
-          <a:p>
-            <a:r>
-              <a:rPr lang="en-US" dirty="0"/>
-              <a:t> * There are multiple projects (1 per platform)</a:t>
-            </a:r>
-          </a:p>
-          <a:p>
-            <a:r>
-              <a:rPr lang="en-US" dirty="0"/>
-              <a:t> * Some platforms have multiple configurations</a:t>
-            </a:r>
-          </a:p>
-          <a:p>
-            <a:r>
-              <a:rPr lang="en-US" dirty="0"/>
-              <a:t>    * Desktop (net462) and </a:t>
-            </a:r>
-            <a:r>
-              <a:rPr lang="en-US" dirty="0" err="1"/>
-              <a:t>OldDesktop</a:t>
-            </a:r>
-            <a:r>
-              <a:rPr lang="en-US" dirty="0"/>
-              <a:t> (net20)</a:t>
-            </a:r>
-          </a:p>
-          <a:p>
-            <a:r>
-              <a:rPr lang="en-US" dirty="0"/>
-              <a:t> * There are shared projects and/or file linking</a:t>
-            </a:r>
-          </a:p>
-          <a:p>
-            <a:r>
-              <a:rPr lang="en-US" dirty="0"/>
-              <a:t> * The project files will have duplicate properties</a:t>
-            </a:r>
-          </a:p>
-          <a:p>
-            <a:r>
-              <a:rPr lang="en-US" dirty="0"/>
-              <a:t> * Managing dependencies is hard</a:t>
-            </a:r>
+            <a:endParaRPr lang="en-US" dirty="0"/>
           </a:p>
         </p:txBody>
       </p:sp>
       <p:sp>
         <p:nvSpPr>
-          <p:cNvPr id="4" name="Header Placeholder 3"/>
+          <p:cNvPr id="6" name="Slide Number Placeholder 5"/>
           <p:cNvSpPr>
             <a:spLocks noGrp="1"/>
           </p:cNvSpPr>
           <p:nvPr>
-            <p:ph type="hdr" sz="quarter" idx="10"/>
+            <p:ph type="sldNum" sz="quarter" idx="12"/>
           </p:nvPr>
         </p:nvSpPr>
         <p:spPr/>
@@ -2213,18 +2544,46 @@
           <a:bodyPr/>
           <a:lstStyle/>
           <a:p>
+            <a:fld id="{B4008EB6-D09E-4580-8CD6-DDB14511944F}" type="slidenum">
+              <a:rPr lang="en-US" smtClean="0"/>
+              <a:pPr/>
+              <a:t>9</a:t>
+            </a:fld>
             <a:endParaRPr lang="en-US" dirty="0"/>
           </a:p>
         </p:txBody>
       </p:sp>
       <p:sp>
         <p:nvSpPr>
-          <p:cNvPr id="5" name="Footer Placeholder 4"/>
+          <p:cNvPr id="10" name="Date Placeholder 9"/>
           <p:cNvSpPr>
             <a:spLocks noGrp="1"/>
           </p:cNvSpPr>
           <p:nvPr>
-            <p:ph type="ftr" sz="quarter" idx="11"/>
+            <p:ph type="dt" idx="13"/>
+          </p:nvPr>
+        </p:nvSpPr>
+        <p:spPr/>
+        <p:txBody>
+          <a:bodyPr/>
+          <a:lstStyle/>
+          <a:p>
+            <a:fld id="{D44C3489-8257-4E60-994D-6A5CEE67ED71}" type="datetime8">
+              <a:rPr lang="en-US" smtClean="0"/>
+              <a:t>2018-07-25 4:08 PM</a:t>
+            </a:fld>
+            <a:endParaRPr lang="en-US" dirty="0"/>
+          </a:p>
+        </p:txBody>
+      </p:sp>
+      <p:sp>
+        <p:nvSpPr>
+          <p:cNvPr id="4" name="Footer Placeholder 3"/>
+          <p:cNvSpPr>
+            <a:spLocks noGrp="1"/>
+          </p:cNvSpPr>
+          <p:nvPr>
+            <p:ph type="ftr" sz="quarter" idx="14"/>
           </p:nvPr>
         </p:nvSpPr>
         <p:spPr/>
@@ -2257,12 +2616,12 @@
       </p:sp>
       <p:sp>
         <p:nvSpPr>
-          <p:cNvPr id="6" name="Date Placeholder 5"/>
+          <p:cNvPr id="5" name="Header Placeholder 4"/>
           <p:cNvSpPr>
             <a:spLocks noGrp="1"/>
           </p:cNvSpPr>
           <p:nvPr>
-            <p:ph type="dt" idx="12"/>
+            <p:ph type="hdr" sz="quarter" idx="15"/>
           </p:nvPr>
         </p:nvSpPr>
         <p:spPr/>
@@ -2270,34 +2629,6 @@
           <a:bodyPr/>
           <a:lstStyle/>
           <a:p>
-            <a:fld id="{B16574EE-8191-4BCC-ABE6-D00A4F4D7690}" type="datetime8">
-              <a:rPr lang="en-US" smtClean="0"/>
-              <a:t>25-Jul-18 5:56 AM</a:t>
-            </a:fld>
-            <a:endParaRPr lang="en-US" dirty="0"/>
-          </a:p>
-        </p:txBody>
-      </p:sp>
-      <p:sp>
-        <p:nvSpPr>
-          <p:cNvPr id="7" name="Slide Number Placeholder 6"/>
-          <p:cNvSpPr>
-            <a:spLocks noGrp="1"/>
-          </p:cNvSpPr>
-          <p:nvPr>
-            <p:ph type="sldNum" sz="quarter" idx="13"/>
-          </p:nvPr>
-        </p:nvSpPr>
-        <p:spPr/>
-        <p:txBody>
-          <a:bodyPr/>
-          <a:lstStyle/>
-          <a:p>
-            <a:fld id="{B4008EB6-D09E-4580-8CD6-DDB14511944F}" type="slidenum">
-              <a:rPr lang="en-US" smtClean="0"/>
-              <a:pPr/>
-              <a:t>8</a:t>
-            </a:fld>
             <a:endParaRPr lang="en-US" dirty="0"/>
           </a:p>
         </p:txBody>
@@ -2305,7 +2636,7 @@
     </p:spTree>
     <p:extLst>
       <p:ext uri="{BB962C8B-B14F-4D97-AF65-F5344CB8AC3E}">
-        <p14:creationId xmlns:p14="http://schemas.microsoft.com/office/powerpoint/2010/main" val="511922872"/>
+        <p14:creationId xmlns:p14="http://schemas.microsoft.com/office/powerpoint/2010/main" val="1587765748"/>
       </p:ext>
     </p:extLst>
   </p:cSld>
@@ -2364,18 +2695,71 @@
           <a:bodyPr/>
           <a:lstStyle/>
           <a:p>
-            <a:endParaRPr lang="en-US" dirty="0"/>
+            <a:r>
+              <a:rPr lang="en-US" dirty="0"/>
+              <a:t>There are multiple things wrong with this solution:</a:t>
+            </a:r>
+          </a:p>
+          <a:p>
+            <a:r>
+              <a:rPr lang="en-US" dirty="0"/>
+              <a:t> * There are multiple projects (1 per platform)</a:t>
+            </a:r>
+          </a:p>
+          <a:p>
+            <a:r>
+              <a:rPr lang="en-US" dirty="0"/>
+              <a:t> * Some platforms have multiple configurations</a:t>
+            </a:r>
+          </a:p>
+          <a:p>
+            <a:r>
+              <a:rPr lang="en-US" dirty="0"/>
+              <a:t>    * Desktop (net462) and </a:t>
+            </a:r>
+            <a:r>
+              <a:rPr lang="en-US" dirty="0" err="1"/>
+              <a:t>OldDesktop</a:t>
+            </a:r>
+            <a:r>
+              <a:rPr lang="en-US" dirty="0"/>
+              <a:t> (net20)</a:t>
+            </a:r>
+          </a:p>
+          <a:p>
+            <a:r>
+              <a:rPr lang="en-US" dirty="0"/>
+              <a:t> * There are shared projects and/or file linking</a:t>
+            </a:r>
+          </a:p>
+          <a:p>
+            <a:r>
+              <a:rPr lang="en-US" dirty="0"/>
+              <a:t> * The project files will have duplicate properties</a:t>
+            </a:r>
+          </a:p>
+          <a:p>
+            <a:r>
+              <a:rPr lang="en-US" dirty="0"/>
+              <a:t> * Managing dependencies is hard</a:t>
+            </a:r>
+          </a:p>
+          <a:p>
+            <a:r>
+              <a:rPr lang="en-US" dirty="0"/>
+              <a:t> * not all works in VS2017</a:t>
+            </a:r>
           </a:p>
         </p:txBody>
       </p:sp>
       <p:sp>
         <p:nvSpPr>
-          <p:cNvPr id="6" name="Slide Number Placeholder 5"/>
+          <p:cNvPr id="4" name="Header Placeholder 3"/>
           <p:cNvSpPr>
             <a:spLocks noGrp="1"/>
           </p:cNvSpPr>
           <p:nvPr>
-            <p:ph type="sldNum" sz="quarter" idx="12"/>
+            <p:ph type="hdr" sz="quarter" idx="10"/>
           </p:nvPr>
         </p:nvSpPr>
         <p:spPr/>
@@ -2383,46 +2767,18 @@
           <a:bodyPr/>
           <a:lstStyle/>
           <a:p>
-            <a:fld id="{B4008EB6-D09E-4580-8CD6-DDB14511944F}" type="slidenum">
-              <a:rPr lang="en-US" smtClean="0"/>
-              <a:pPr/>
-              <a:t>10</a:t>
-            </a:fld>
             <a:endParaRPr lang="en-US" dirty="0"/>
           </a:p>
         </p:txBody>
       </p:sp>
       <p:sp>
         <p:nvSpPr>
-          <p:cNvPr id="10" name="Date Placeholder 9"/>
+          <p:cNvPr id="5" name="Footer Placeholder 4"/>
           <p:cNvSpPr>
             <a:spLocks noGrp="1"/>
           </p:cNvSpPr>
           <p:nvPr>
-            <p:ph type="dt" idx="13"/>
-          </p:nvPr>
-        </p:nvSpPr>
-        <p:spPr/>
-        <p:txBody>
-          <a:bodyPr/>
-          <a:lstStyle/>
-          <a:p>
-            <a:fld id="{D44C3489-8257-4E60-994D-6A5CEE67ED71}" type="datetime8">
-              <a:rPr lang="en-US" smtClean="0"/>
-              <a:t>25-Jul-18 5:56 AM</a:t>
-            </a:fld>
-            <a:endParaRPr lang="en-US" dirty="0"/>
-          </a:p>
-        </p:txBody>
-      </p:sp>
-      <p:sp>
-        <p:nvSpPr>
-          <p:cNvPr id="4" name="Footer Placeholder 3"/>
-          <p:cNvSpPr>
-            <a:spLocks noGrp="1"/>
-          </p:cNvSpPr>
-          <p:nvPr>
-            <p:ph type="ftr" sz="quarter" idx="14"/>
+            <p:ph type="ftr" sz="quarter" idx="11"/>
           </p:nvPr>
         </p:nvSpPr>
         <p:spPr/>
@@ -2455,12 +2811,12 @@
       </p:sp>
       <p:sp>
         <p:nvSpPr>
-          <p:cNvPr id="5" name="Header Placeholder 4"/>
+          <p:cNvPr id="6" name="Date Placeholder 5"/>
           <p:cNvSpPr>
             <a:spLocks noGrp="1"/>
           </p:cNvSpPr>
           <p:nvPr>
-            <p:ph type="hdr" sz="quarter" idx="15"/>
+            <p:ph type="dt" idx="12"/>
           </p:nvPr>
         </p:nvSpPr>
         <p:spPr/>
@@ -2468,6 +2824,34 @@
           <a:bodyPr/>
           <a:lstStyle/>
           <a:p>
+            <a:fld id="{B16574EE-8191-4BCC-ABE6-D00A4F4D7690}" type="datetime8">
+              <a:rPr lang="en-US" smtClean="0"/>
+              <a:t>2018-07-25 3:56 PM</a:t>
+            </a:fld>
+            <a:endParaRPr lang="en-US" dirty="0"/>
+          </a:p>
+        </p:txBody>
+      </p:sp>
+      <p:sp>
+        <p:nvSpPr>
+          <p:cNvPr id="7" name="Slide Number Placeholder 6"/>
+          <p:cNvSpPr>
+            <a:spLocks noGrp="1"/>
+          </p:cNvSpPr>
+          <p:nvPr>
+            <p:ph type="sldNum" sz="quarter" idx="13"/>
+          </p:nvPr>
+        </p:nvSpPr>
+        <p:spPr/>
+        <p:txBody>
+          <a:bodyPr/>
+          <a:lstStyle/>
+          <a:p>
+            <a:fld id="{B4008EB6-D09E-4580-8CD6-DDB14511944F}" type="slidenum">
+              <a:rPr lang="en-US" smtClean="0"/>
+              <a:pPr/>
+              <a:t>10</a:t>
+            </a:fld>
             <a:endParaRPr lang="en-US" dirty="0"/>
           </a:p>
         </p:txBody>
@@ -2475,7 +2859,7 @@
     </p:spTree>
     <p:extLst>
       <p:ext uri="{BB962C8B-B14F-4D97-AF65-F5344CB8AC3E}">
-        <p14:creationId xmlns:p14="http://schemas.microsoft.com/office/powerpoint/2010/main" val="2012572826"/>
+        <p14:creationId xmlns:p14="http://schemas.microsoft.com/office/powerpoint/2010/main" val="511922872"/>
       </p:ext>
     </p:extLst>
   </p:cSld>
@@ -2534,61 +2918,18 @@
           <a:bodyPr/>
           <a:lstStyle/>
           <a:p>
-            <a:r>
-              <a:rPr lang="en-US" dirty="0"/>
-              <a:t>Show:</a:t>
-            </a:r>
-          </a:p>
-          <a:p>
-            <a:r>
-              <a:rPr lang="en-US" dirty="0"/>
-              <a:t> * single file</a:t>
-            </a:r>
-          </a:p>
-          <a:p>
-            <a:r>
-              <a:rPr lang="en-US" dirty="0"/>
-              <a:t> * wildcards</a:t>
-            </a:r>
-          </a:p>
-          <a:p>
-            <a:r>
-              <a:rPr lang="en-US" dirty="0"/>
-              <a:t> * &lt;</a:t>
-            </a:r>
-            <a:r>
-              <a:rPr lang="en-US" dirty="0" err="1"/>
-              <a:t>TargetFrameworks</a:t>
-            </a:r>
-            <a:r>
-              <a:rPr lang="en-US" dirty="0"/>
-              <a:t>&gt; (plural) instead &lt;</a:t>
-            </a:r>
-            <a:r>
-              <a:rPr lang="en-US" dirty="0" err="1"/>
-              <a:t>TargetFramework</a:t>
-            </a:r>
-            <a:r>
-              <a:rPr lang="en-US" dirty="0"/>
-              <a:t>&gt; (singular)</a:t>
-            </a:r>
-          </a:p>
-          <a:p>
-            <a:r>
-              <a:rPr lang="en-US" dirty="0"/>
-              <a:t> * Conditions are easy</a:t>
-            </a:r>
+            <a:endParaRPr lang="en-US" dirty="0"/>
           </a:p>
         </p:txBody>
       </p:sp>
       <p:sp>
         <p:nvSpPr>
-          <p:cNvPr id="4" name="Header Placeholder 3"/>
+          <p:cNvPr id="6" name="Slide Number Placeholder 5"/>
           <p:cNvSpPr>
             <a:spLocks noGrp="1"/>
           </p:cNvSpPr>
           <p:nvPr>
-            <p:ph type="hdr" sz="quarter" idx="10"/>
+            <p:ph type="sldNum" sz="quarter" idx="12"/>
           </p:nvPr>
         </p:nvSpPr>
         <p:spPr/>
@@ -2596,18 +2937,46 @@
           <a:bodyPr/>
           <a:lstStyle/>
           <a:p>
+            <a:fld id="{B4008EB6-D09E-4580-8CD6-DDB14511944F}" type="slidenum">
+              <a:rPr lang="en-US" smtClean="0"/>
+              <a:pPr/>
+              <a:t>12</a:t>
+            </a:fld>
             <a:endParaRPr lang="en-US" dirty="0"/>
           </a:p>
         </p:txBody>
       </p:sp>
       <p:sp>
         <p:nvSpPr>
-          <p:cNvPr id="5" name="Footer Placeholder 4"/>
+          <p:cNvPr id="10" name="Date Placeholder 9"/>
           <p:cNvSpPr>
             <a:spLocks noGrp="1"/>
           </p:cNvSpPr>
           <p:nvPr>
-            <p:ph type="ftr" sz="quarter" idx="11"/>
+            <p:ph type="dt" idx="13"/>
+          </p:nvPr>
+        </p:nvSpPr>
+        <p:spPr/>
+        <p:txBody>
+          <a:bodyPr/>
+          <a:lstStyle/>
+          <a:p>
+            <a:fld id="{D44C3489-8257-4E60-994D-6A5CEE67ED71}" type="datetime8">
+              <a:rPr lang="en-US" smtClean="0"/>
+              <a:t>2018-07-25 3:56 PM</a:t>
+            </a:fld>
+            <a:endParaRPr lang="en-US" dirty="0"/>
+          </a:p>
+        </p:txBody>
+      </p:sp>
+      <p:sp>
+        <p:nvSpPr>
+          <p:cNvPr id="4" name="Footer Placeholder 3"/>
+          <p:cNvSpPr>
+            <a:spLocks noGrp="1"/>
+          </p:cNvSpPr>
+          <p:nvPr>
+            <p:ph type="ftr" sz="quarter" idx="14"/>
           </p:nvPr>
         </p:nvSpPr>
         <p:spPr/>
@@ -2640,12 +3009,12 @@
       </p:sp>
       <p:sp>
         <p:nvSpPr>
-          <p:cNvPr id="6" name="Date Placeholder 5"/>
+          <p:cNvPr id="5" name="Header Placeholder 4"/>
           <p:cNvSpPr>
             <a:spLocks noGrp="1"/>
           </p:cNvSpPr>
           <p:nvPr>
-            <p:ph type="dt" idx="12"/>
+            <p:ph type="hdr" sz="quarter" idx="15"/>
           </p:nvPr>
         </p:nvSpPr>
         <p:spPr/>
@@ -2653,34 +3022,6 @@
           <a:bodyPr/>
           <a:lstStyle/>
           <a:p>
-            <a:fld id="{B16574EE-8191-4BCC-ABE6-D00A4F4D7690}" type="datetime8">
-              <a:rPr lang="en-US" smtClean="0"/>
-              <a:t>25-Jul-18 5:56 AM</a:t>
-            </a:fld>
-            <a:endParaRPr lang="en-US" dirty="0"/>
-          </a:p>
-        </p:txBody>
-      </p:sp>
-      <p:sp>
-        <p:nvSpPr>
-          <p:cNvPr id="7" name="Slide Number Placeholder 6"/>
-          <p:cNvSpPr>
-            <a:spLocks noGrp="1"/>
-          </p:cNvSpPr>
-          <p:nvPr>
-            <p:ph type="sldNum" sz="quarter" idx="13"/>
-          </p:nvPr>
-        </p:nvSpPr>
-        <p:spPr/>
-        <p:txBody>
-          <a:bodyPr/>
-          <a:lstStyle/>
-          <a:p>
-            <a:fld id="{B4008EB6-D09E-4580-8CD6-DDB14511944F}" type="slidenum">
-              <a:rPr lang="en-US" smtClean="0"/>
-              <a:pPr/>
-              <a:t>11</a:t>
-            </a:fld>
             <a:endParaRPr lang="en-US" dirty="0"/>
           </a:p>
         </p:txBody>
@@ -2688,7 +3029,7 @@
     </p:spTree>
     <p:extLst>
       <p:ext uri="{BB962C8B-B14F-4D97-AF65-F5344CB8AC3E}">
-        <p14:creationId xmlns:p14="http://schemas.microsoft.com/office/powerpoint/2010/main" val="909073314"/>
+        <p14:creationId xmlns:p14="http://schemas.microsoft.com/office/powerpoint/2010/main" val="2012572826"/>
       </p:ext>
     </p:extLst>
   </p:cSld>
@@ -2755,32 +3096,41 @@
           <a:p>
             <a:r>
               <a:rPr lang="en-US" dirty="0"/>
-              <a:t> * /</a:t>
+              <a:t> * single file</a:t>
+            </a:r>
+          </a:p>
+          <a:p>
+            <a:r>
+              <a:rPr lang="en-US" dirty="0"/>
+              <a:t> * wildcards</a:t>
+            </a:r>
+          </a:p>
+          <a:p>
+            <a:r>
+              <a:rPr lang="en-US" dirty="0"/>
+              <a:t> * &lt;</a:t>
             </a:r>
             <a:r>
               <a:rPr lang="en-US" dirty="0" err="1"/>
-              <a:t>t:Pack</a:t>
-            </a:r>
-            <a:endParaRPr lang="en-US" dirty="0"/>
-          </a:p>
-          <a:p>
-            <a:r>
-              <a:rPr lang="en-US" dirty="0"/>
-              <a:t> * /</a:t>
+              <a:t>TargetFrameworks</a:t>
+            </a:r>
+            <a:r>
+              <a:rPr lang="en-US" dirty="0"/>
+              <a:t>&gt; (plural) instead &lt;</a:t>
             </a:r>
             <a:r>
               <a:rPr lang="en-US" dirty="0" err="1"/>
-              <a:t>t:Pack</a:t>
-            </a:r>
-            <a:r>
-              <a:rPr lang="en-US" dirty="0"/>
-              <a:t> with properties</a:t>
-            </a:r>
-          </a:p>
-          <a:p>
-            <a:r>
-              <a:rPr lang="en-US" dirty="0"/>
-              <a:t> * The properties in the .csproj</a:t>
+              <a:t>TargetFramework</a:t>
+            </a:r>
+            <a:r>
+              <a:rPr lang="en-US" dirty="0"/>
+              <a:t>&gt; (singular)</a:t>
+            </a:r>
+          </a:p>
+          <a:p>
+            <a:r>
+              <a:rPr lang="en-US" dirty="0"/>
+              <a:t> * Conditions are easy</a:t>
             </a:r>
           </a:p>
         </p:txBody>
@@ -2859,7 +3209,7 @@
           <a:p>
             <a:fld id="{B16574EE-8191-4BCC-ABE6-D00A4F4D7690}" type="datetime8">
               <a:rPr lang="en-US" smtClean="0"/>
-              <a:t>25-Jul-18 5:56 AM</a:t>
+              <a:t>2018-07-25 3:56 PM</a:t>
             </a:fld>
             <a:endParaRPr lang="en-US" dirty="0"/>
           </a:p>
@@ -2892,7 +3242,7 @@
     </p:spTree>
     <p:extLst>
       <p:ext uri="{BB962C8B-B14F-4D97-AF65-F5344CB8AC3E}">
-        <p14:creationId xmlns:p14="http://schemas.microsoft.com/office/powerpoint/2010/main" val="2141153949"/>
+        <p14:creationId xmlns:p14="http://schemas.microsoft.com/office/powerpoint/2010/main" val="909073314"/>
       </p:ext>
     </p:extLst>
   </p:cSld>
@@ -16093,7 +16443,7 @@
       </p:grpSpPr>
       <p:sp>
         <p:nvSpPr>
-          <p:cNvPr id="4" name="Title 3"/>
+          <p:cNvPr id="3" name="Title 2"/>
           <p:cNvSpPr>
             <a:spLocks noGrp="1"/>
           </p:cNvSpPr>
@@ -16108,140 +16458,45 @@
           <a:p>
             <a:r>
               <a:rPr lang="en-US" dirty="0"/>
-              <a:t>The &lt;</a:t>
-            </a:r>
-            <a:r>
-              <a:rPr lang="en-US" dirty="0" err="1"/>
-              <a:t>TargetFrameworks</a:t>
-            </a:r>
-            <a:r>
-              <a:rPr lang="en-US" dirty="0"/>
-              <a:t>&gt; Code</a:t>
+              <a:t>Demo</a:t>
             </a:r>
           </a:p>
         </p:txBody>
       </p:sp>
       <p:sp>
         <p:nvSpPr>
-          <p:cNvPr id="5" name="Text Placeholder 4"/>
+          <p:cNvPr id="4" name="Text Placeholder 3"/>
           <p:cNvSpPr>
             <a:spLocks noGrp="1"/>
           </p:cNvSpPr>
           <p:nvPr>
-            <p:ph type="body" sz="quarter" idx="10"/>
+            <p:ph type="body" sz="quarter" idx="12"/>
           </p:nvPr>
         </p:nvSpPr>
-        <p:spPr>
-          <a:xfrm>
-            <a:off x="584200" y="1436691"/>
-            <a:ext cx="7974014" cy="4598182"/>
-          </a:xfrm>
-        </p:spPr>
+        <p:spPr/>
         <p:txBody>
           <a:bodyPr/>
           <a:lstStyle/>
           <a:p>
-            <a:endParaRPr lang="en-US" sz="1800" dirty="0"/>
-          </a:p>
-          <a:p>
-            <a:endParaRPr lang="en-US" sz="1800" dirty="0"/>
-          </a:p>
-          <a:p>
-            <a:r>
-              <a:rPr lang="en-US" sz="1800" dirty="0"/>
-              <a:t>&lt;Project&gt;</a:t>
-            </a:r>
-          </a:p>
-          <a:p>
-            <a:endParaRPr lang="en-US" sz="1800" dirty="0"/>
-          </a:p>
-          <a:p>
-            <a:r>
-              <a:rPr lang="en-US" sz="1800" dirty="0"/>
-              <a:t>  &lt;</a:t>
-            </a:r>
-            <a:r>
-              <a:rPr lang="en-US" sz="1800" dirty="0" err="1"/>
-              <a:t>PropertyGroup</a:t>
-            </a:r>
-            <a:r>
-              <a:rPr lang="en-US" sz="1800" dirty="0"/>
-              <a:t>&gt;</a:t>
-            </a:r>
-          </a:p>
-          <a:p>
-            <a:r>
-              <a:rPr lang="en-US" sz="1800" b="1" dirty="0"/>
-              <a:t>    &lt;</a:t>
-            </a:r>
-            <a:r>
-              <a:rPr lang="en-US" sz="1800" b="1" dirty="0" err="1"/>
-              <a:t>TargetFrameworks</a:t>
-            </a:r>
-            <a:r>
-              <a:rPr lang="en-US" sz="1800" b="1" dirty="0"/>
-              <a:t>&gt;</a:t>
-            </a:r>
-          </a:p>
-          <a:p>
-            <a:r>
-              <a:rPr lang="en-US" sz="1800" b="1" dirty="0"/>
-              <a:t>      monoandroid8.1;</a:t>
-            </a:r>
-          </a:p>
-          <a:p>
-            <a:r>
-              <a:rPr lang="en-US" sz="1800" b="1" dirty="0"/>
-              <a:t>      xamarinios1.0;</a:t>
-            </a:r>
-          </a:p>
-          <a:p>
-            <a:r>
-              <a:rPr lang="en-US" sz="1800" b="1" dirty="0"/>
-              <a:t>      uap10.0.16299;</a:t>
-            </a:r>
-          </a:p>
-          <a:p>
-            <a:r>
-              <a:rPr lang="en-US" sz="1800" b="1" dirty="0"/>
-              <a:t>      netstandard2.0</a:t>
-            </a:r>
-          </a:p>
-          <a:p>
-            <a:r>
-              <a:rPr lang="en-US" sz="1800" b="1" dirty="0"/>
-              <a:t>    &lt;/</a:t>
-            </a:r>
-            <a:r>
-              <a:rPr lang="en-US" sz="1800" b="1" dirty="0" err="1"/>
-              <a:t>TargetFrameworks</a:t>
-            </a:r>
-            <a:r>
-              <a:rPr lang="en-US" sz="1800" b="1" dirty="0"/>
-              <a:t>&gt;</a:t>
-            </a:r>
-          </a:p>
-          <a:p>
-            <a:r>
-              <a:rPr lang="en-US" sz="1800" dirty="0"/>
-              <a:t>  &lt;/</a:t>
-            </a:r>
-            <a:r>
-              <a:rPr lang="en-US" sz="1800" dirty="0" err="1"/>
-              <a:t>PropertyGroup</a:t>
-            </a:r>
-            <a:r>
-              <a:rPr lang="en-US" sz="1800" dirty="0"/>
-              <a:t>&gt;</a:t>
-            </a:r>
-          </a:p>
-          <a:p>
-            <a:endParaRPr lang="en-US" sz="1800" dirty="0"/>
-          </a:p>
-          <a:p>
-            <a:r>
-              <a:rPr lang="en-US" sz="1800" dirty="0"/>
-              <a:t>&lt;/Project&gt;</a:t>
+            <a:r>
+              <a:rPr lang="en-US" dirty="0"/>
+              <a:t>Humongous, </a:t>
+            </a:r>
+            <a:r>
+              <a:rPr lang="en-US" dirty="0" err="1"/>
+              <a:t>numongous</a:t>
+            </a:r>
+            <a:r>
+              <a:rPr lang="en-US" dirty="0"/>
+              <a:t>, and </a:t>
+            </a:r>
+            <a:r>
+              <a:rPr lang="en-US" dirty="0" err="1"/>
+              <a:t>annoymongous</a:t>
+            </a:r>
+            <a:r>
+              <a:rPr lang="en-US" dirty="0"/>
+              <a:t>, projects…</a:t>
             </a:r>
           </a:p>
         </p:txBody>
@@ -16249,7 +16504,7 @@
     </p:spTree>
     <p:extLst>
       <p:ext uri="{BB962C8B-B14F-4D97-AF65-F5344CB8AC3E}">
-        <p14:creationId xmlns:p14="http://schemas.microsoft.com/office/powerpoint/2010/main" val="3374611511"/>
+        <p14:creationId xmlns:p14="http://schemas.microsoft.com/office/powerpoint/2010/main" val="203203085"/>
       </p:ext>
     </p:extLst>
   </p:cSld>
@@ -16290,7 +16545,131 @@
       </p:grpSpPr>
       <p:sp>
         <p:nvSpPr>
-          <p:cNvPr id="3" name="Title 2"/>
+          <p:cNvPr id="4" name="Title 3">
+            <a:extLst>
+              <a:ext uri="{FF2B5EF4-FFF2-40B4-BE49-F238E27FC236}">
+                <a16:creationId xmlns:a16="http://schemas.microsoft.com/office/drawing/2014/main" id="{E766879E-3D36-4659-86F4-B21BD582F456}"/>
+              </a:ext>
+            </a:extLst>
+          </p:cNvPr>
+          <p:cNvSpPr>
+            <a:spLocks noGrp="1"/>
+          </p:cNvSpPr>
+          <p:nvPr>
+            <p:ph type="title"/>
+          </p:nvPr>
+        </p:nvSpPr>
+        <p:spPr>
+          <a:xfrm>
+            <a:off x="584200" y="476252"/>
+            <a:ext cx="7974011" cy="769441"/>
+          </a:xfrm>
+        </p:spPr>
+        <p:txBody>
+          <a:bodyPr/>
+          <a:lstStyle/>
+          <a:p>
+            <a:r>
+              <a:rPr lang="en-US" dirty="0"/>
+              <a:t>Modernization 3 – Multitargeting</a:t>
+            </a:r>
+            <a:br>
+              <a:rPr lang="en-US" dirty="0"/>
+            </a:br>
+            <a:r>
+              <a:rPr lang="en-US" sz="1800" dirty="0"/>
+              <a:t>Switch from multiple projects to a single project</a:t>
+            </a:r>
+          </a:p>
+        </p:txBody>
+      </p:sp>
+      <p:sp>
+        <p:nvSpPr>
+          <p:cNvPr id="5" name="Text Placeholder 4">
+            <a:extLst>
+              <a:ext uri="{FF2B5EF4-FFF2-40B4-BE49-F238E27FC236}">
+                <a16:creationId xmlns:a16="http://schemas.microsoft.com/office/drawing/2014/main" id="{8CD9A1F8-8B09-4EA8-A130-8D87860A853D}"/>
+              </a:ext>
+            </a:extLst>
+          </p:cNvPr>
+          <p:cNvSpPr>
+            <a:spLocks noGrp="1"/>
+          </p:cNvSpPr>
+          <p:nvPr>
+            <p:ph type="body" sz="quarter" idx="10"/>
+          </p:nvPr>
+        </p:nvSpPr>
+        <p:spPr>
+          <a:xfrm>
+            <a:off x="584200" y="1435498"/>
+            <a:ext cx="7974011" cy="1840504"/>
+          </a:xfrm>
+        </p:spPr>
+        <p:txBody>
+          <a:bodyPr/>
+          <a:lstStyle/>
+          <a:p>
+            <a:r>
+              <a:rPr lang="en-US" dirty="0"/>
+              <a:t>Far, far fewer projects</a:t>
+            </a:r>
+          </a:p>
+          <a:p>
+            <a:r>
+              <a:rPr lang="en-US" dirty="0"/>
+              <a:t>Centralized configuration</a:t>
+            </a:r>
+          </a:p>
+          <a:p>
+            <a:r>
+              <a:rPr lang="en-US" dirty="0"/>
+              <a:t>Conventions can be used</a:t>
+            </a:r>
+          </a:p>
+          <a:p>
+            <a:r>
+              <a:rPr lang="en-US" dirty="0"/>
+              <a:t>Conditions can be used to customize builds</a:t>
+            </a:r>
+          </a:p>
+        </p:txBody>
+      </p:sp>
+    </p:spTree>
+    <p:extLst>
+      <p:ext uri="{BB962C8B-B14F-4D97-AF65-F5344CB8AC3E}">
+        <p14:creationId xmlns:p14="http://schemas.microsoft.com/office/powerpoint/2010/main" val="1222767588"/>
+      </p:ext>
+    </p:extLst>
+  </p:cSld>
+  <p:clrMapOvr>
+    <a:masterClrMapping/>
+  </p:clrMapOvr>
+  <p:transition>
+    <p:fade/>
+  </p:transition>
+</p:sld>
+</file>
+
+<file path=ppt/slides/slide12.xml><?xml version="1.0" encoding="utf-8"?>
+<p:sld xmlns:a="http://schemas.openxmlformats.org/drawingml/2006/main" xmlns:r="http://schemas.openxmlformats.org/officeDocument/2006/relationships" xmlns:p="http://schemas.openxmlformats.org/presentationml/2006/main">
+  <p:cSld>
+    <p:spTree>
+      <p:nvGrpSpPr>
+        <p:cNvPr id="1" name=""/>
+        <p:cNvGrpSpPr/>
+        <p:nvPr/>
+      </p:nvGrpSpPr>
+      <p:grpSpPr>
+        <a:xfrm>
+          <a:off x="0" y="0"/>
+          <a:ext cx="0" cy="0"/>
+          <a:chOff x="0" y="0"/>
+          <a:chExt cx="0" cy="0"/>
+        </a:xfrm>
+      </p:grpSpPr>
+      <p:sp>
+        <p:nvSpPr>
+          <p:cNvPr id="4" name="Title 3"/>
           <p:cNvSpPr>
             <a:spLocks noGrp="1"/>
           </p:cNvSpPr>
@@ -16305,33 +16684,140 @@
           <a:p>
             <a:r>
               <a:rPr lang="en-US" dirty="0"/>
-              <a:t>Demo</a:t>
+              <a:t>The &lt;</a:t>
+            </a:r>
+            <a:r>
+              <a:rPr lang="en-US" dirty="0" err="1"/>
+              <a:t>TargetFrameworks</a:t>
+            </a:r>
+            <a:r>
+              <a:rPr lang="en-US" dirty="0"/>
+              <a:t>&gt; Code</a:t>
             </a:r>
           </a:p>
         </p:txBody>
       </p:sp>
       <p:sp>
         <p:nvSpPr>
-          <p:cNvPr id="4" name="Text Placeholder 3"/>
+          <p:cNvPr id="5" name="Text Placeholder 4"/>
           <p:cNvSpPr>
             <a:spLocks noGrp="1"/>
           </p:cNvSpPr>
           <p:nvPr>
-            <p:ph type="body" sz="quarter" idx="12"/>
+            <p:ph type="body" sz="quarter" idx="10"/>
           </p:nvPr>
         </p:nvSpPr>
-        <p:spPr/>
+        <p:spPr>
+          <a:xfrm>
+            <a:off x="584200" y="1436691"/>
+            <a:ext cx="7974014" cy="4598182"/>
+          </a:xfrm>
+        </p:spPr>
         <p:txBody>
           <a:bodyPr/>
           <a:lstStyle/>
           <a:p>
-            <a:r>
-              <a:rPr lang="en-US" dirty="0" err="1"/>
-              <a:t>Mergalicious</a:t>
-            </a:r>
-            <a:r>
-              <a:rPr lang="en-US" dirty="0"/>
-              <a:t>…</a:t>
+            <a:endParaRPr lang="en-US" sz="1800" dirty="0"/>
+          </a:p>
+          <a:p>
+            <a:endParaRPr lang="en-US" sz="1800" dirty="0"/>
+          </a:p>
+          <a:p>
+            <a:r>
+              <a:rPr lang="en-US" sz="1800" dirty="0"/>
+              <a:t>&lt;Project&gt;</a:t>
+            </a:r>
+          </a:p>
+          <a:p>
+            <a:endParaRPr lang="en-US" sz="1800" dirty="0"/>
+          </a:p>
+          <a:p>
+            <a:r>
+              <a:rPr lang="en-US" sz="1800" dirty="0"/>
+              <a:t>  &lt;</a:t>
+            </a:r>
+            <a:r>
+              <a:rPr lang="en-US" sz="1800" dirty="0" err="1"/>
+              <a:t>PropertyGroup</a:t>
+            </a:r>
+            <a:r>
+              <a:rPr lang="en-US" sz="1800" dirty="0"/>
+              <a:t>&gt;</a:t>
+            </a:r>
+          </a:p>
+          <a:p>
+            <a:r>
+              <a:rPr lang="en-US" sz="1800" b="1" dirty="0"/>
+              <a:t>    &lt;</a:t>
+            </a:r>
+            <a:r>
+              <a:rPr lang="en-US" sz="1800" b="1" dirty="0" err="1"/>
+              <a:t>TargetFrameworks</a:t>
+            </a:r>
+            <a:r>
+              <a:rPr lang="en-US" sz="1800" b="1" dirty="0"/>
+              <a:t>&gt;</a:t>
+            </a:r>
+          </a:p>
+          <a:p>
+            <a:r>
+              <a:rPr lang="en-US" sz="1800" b="1" dirty="0"/>
+              <a:t>      monoandroid8.1;</a:t>
+            </a:r>
+          </a:p>
+          <a:p>
+            <a:r>
+              <a:rPr lang="en-US" sz="1800" b="1" dirty="0"/>
+              <a:t>      xamarinios1.0;</a:t>
+            </a:r>
+          </a:p>
+          <a:p>
+            <a:r>
+              <a:rPr lang="en-US" sz="1800" b="1" dirty="0"/>
+              <a:t>      uap10.0.16299;</a:t>
+            </a:r>
+          </a:p>
+          <a:p>
+            <a:r>
+              <a:rPr lang="en-US" sz="1800" b="1" dirty="0"/>
+              <a:t>      netstandard2.0</a:t>
+            </a:r>
+          </a:p>
+          <a:p>
+            <a:r>
+              <a:rPr lang="en-US" sz="1800" b="1" dirty="0"/>
+              <a:t>    &lt;/</a:t>
+            </a:r>
+            <a:r>
+              <a:rPr lang="en-US" sz="1800" b="1" dirty="0" err="1"/>
+              <a:t>TargetFrameworks</a:t>
+            </a:r>
+            <a:r>
+              <a:rPr lang="en-US" sz="1800" b="1" dirty="0"/>
+              <a:t>&gt;</a:t>
+            </a:r>
+          </a:p>
+          <a:p>
+            <a:r>
+              <a:rPr lang="en-US" sz="1800" dirty="0"/>
+              <a:t>  &lt;/</a:t>
+            </a:r>
+            <a:r>
+              <a:rPr lang="en-US" sz="1800" dirty="0" err="1"/>
+              <a:t>PropertyGroup</a:t>
+            </a:r>
+            <a:r>
+              <a:rPr lang="en-US" sz="1800" dirty="0"/>
+              <a:t>&gt;</a:t>
+            </a:r>
+          </a:p>
+          <a:p>
+            <a:endParaRPr lang="en-US" sz="1800" dirty="0"/>
+          </a:p>
+          <a:p>
+            <a:r>
+              <a:rPr lang="en-US" sz="1800" dirty="0"/>
+              <a:t>&lt;/Project&gt;</a:t>
             </a:r>
           </a:p>
         </p:txBody>
@@ -16339,7 +16825,7 @@
     </p:spTree>
     <p:extLst>
       <p:ext uri="{BB962C8B-B14F-4D97-AF65-F5344CB8AC3E}">
-        <p14:creationId xmlns:p14="http://schemas.microsoft.com/office/powerpoint/2010/main" val="1076849879"/>
+        <p14:creationId xmlns:p14="http://schemas.microsoft.com/office/powerpoint/2010/main" val="3374611511"/>
       </p:ext>
     </p:extLst>
   </p:cSld>
@@ -16361,136 +16847,6 @@
 </p:sld>
 </file>
 
-<file path=ppt/slides/slide12.xml><?xml version="1.0" encoding="utf-8"?>
-<p:sld xmlns:a="http://schemas.openxmlformats.org/drawingml/2006/main" xmlns:r="http://schemas.openxmlformats.org/officeDocument/2006/relationships" xmlns:p="http://schemas.openxmlformats.org/presentationml/2006/main">
-  <p:cSld>
-    <p:spTree>
-      <p:nvGrpSpPr>
-        <p:cNvPr id="1" name=""/>
-        <p:cNvGrpSpPr/>
-        <p:nvPr/>
-      </p:nvGrpSpPr>
-      <p:grpSpPr>
-        <a:xfrm>
-          <a:off x="0" y="0"/>
-          <a:ext cx="0" cy="0"/>
-          <a:chOff x="0" y="0"/>
-          <a:chExt cx="0" cy="0"/>
-        </a:xfrm>
-      </p:grpSpPr>
-      <p:sp>
-        <p:nvSpPr>
-          <p:cNvPr id="4" name="Title 3">
-            <a:extLst>
-              <a:ext uri="{FF2B5EF4-FFF2-40B4-BE49-F238E27FC236}">
-                <a16:creationId xmlns:a16="http://schemas.microsoft.com/office/drawing/2014/main" id="{E766879E-3D36-4659-86F4-B21BD582F456}"/>
-              </a:ext>
-            </a:extLst>
-          </p:cNvPr>
-          <p:cNvSpPr>
-            <a:spLocks noGrp="1"/>
-          </p:cNvSpPr>
-          <p:nvPr>
-            <p:ph type="title"/>
-          </p:nvPr>
-        </p:nvSpPr>
-        <p:spPr>
-          <a:xfrm>
-            <a:off x="584200" y="476252"/>
-            <a:ext cx="7974011" cy="769441"/>
-          </a:xfrm>
-        </p:spPr>
-        <p:txBody>
-          <a:bodyPr/>
-          <a:lstStyle/>
-          <a:p>
-            <a:r>
-              <a:rPr lang="en-US" dirty="0"/>
-              <a:t>Modernization 4 – /</a:t>
-            </a:r>
-            <a:r>
-              <a:rPr lang="en-US" dirty="0" err="1"/>
-              <a:t>t:Pack</a:t>
-            </a:r>
-            <a:br>
-              <a:rPr lang="en-US" dirty="0"/>
-            </a:br>
-            <a:r>
-              <a:rPr lang="en-US" sz="1800" dirty="0"/>
-              <a:t>Switch from .nuspec files to .csproj files to create NuGets</a:t>
-            </a:r>
-          </a:p>
-        </p:txBody>
-      </p:sp>
-      <p:sp>
-        <p:nvSpPr>
-          <p:cNvPr id="5" name="Text Placeholder 4">
-            <a:extLst>
-              <a:ext uri="{FF2B5EF4-FFF2-40B4-BE49-F238E27FC236}">
-                <a16:creationId xmlns:a16="http://schemas.microsoft.com/office/drawing/2014/main" id="{8CD9A1F8-8B09-4EA8-A130-8D87860A853D}"/>
-              </a:ext>
-            </a:extLst>
-          </p:cNvPr>
-          <p:cNvSpPr>
-            <a:spLocks noGrp="1"/>
-          </p:cNvSpPr>
-          <p:nvPr>
-            <p:ph type="body" sz="quarter" idx="10"/>
-          </p:nvPr>
-        </p:nvSpPr>
-        <p:spPr>
-          <a:xfrm>
-            <a:off x="584200" y="1435498"/>
-            <a:ext cx="7974011" cy="1360372"/>
-          </a:xfrm>
-        </p:spPr>
-        <p:txBody>
-          <a:bodyPr/>
-          <a:lstStyle/>
-          <a:p>
-            <a:r>
-              <a:rPr lang="en-US" dirty="0"/>
-              <a:t>No need for .nuspec files</a:t>
-            </a:r>
-          </a:p>
-          <a:p>
-            <a:r>
-              <a:rPr lang="en-US" dirty="0"/>
-              <a:t>Automatic dependencies and references</a:t>
-            </a:r>
-          </a:p>
-          <a:p>
-            <a:r>
-              <a:rPr lang="en-US" dirty="0"/>
-              <a:t>Package properties can be set with </a:t>
-            </a:r>
-            <a:r>
-              <a:rPr lang="en-US" dirty="0" err="1"/>
-              <a:t>MSBuild</a:t>
-            </a:r>
-            <a:r>
-              <a:rPr lang="en-US" dirty="0"/>
-              <a:t> properties</a:t>
-            </a:r>
-          </a:p>
-        </p:txBody>
-      </p:sp>
-    </p:spTree>
-    <p:extLst>
-      <p:ext uri="{BB962C8B-B14F-4D97-AF65-F5344CB8AC3E}">
-        <p14:creationId xmlns:p14="http://schemas.microsoft.com/office/powerpoint/2010/main" val="4247808663"/>
-      </p:ext>
-    </p:extLst>
-  </p:cSld>
-  <p:clrMapOvr>
-    <a:masterClrMapping/>
-  </p:clrMapOvr>
-  <p:transition>
-    <p:fade/>
-  </p:transition>
-</p:sld>
-</file>
-
 <file path=ppt/slides/slide13.xml><?xml version="1.0" encoding="utf-8"?>
 <p:sld xmlns:a="http://schemas.openxmlformats.org/drawingml/2006/main" xmlns:r="http://schemas.openxmlformats.org/officeDocument/2006/relationships" xmlns:p="http://schemas.openxmlformats.org/presentationml/2006/main">
   <p:cSld>
@@ -16546,8 +16902,12 @@
           <a:lstStyle/>
           <a:p>
             <a:r>
-              <a:rPr lang="en-US" dirty="0"/>
-              <a:t>Packing, packing, packing…</a:t>
+              <a:rPr lang="en-US" dirty="0" err="1"/>
+              <a:t>Mergalicious</a:t>
+            </a:r>
+            <a:r>
+              <a:rPr lang="en-US" dirty="0"/>
+              <a:t>…</a:t>
             </a:r>
           </a:p>
         </p:txBody>
@@ -16555,7 +16915,7 @@
     </p:spTree>
     <p:extLst>
       <p:ext uri="{BB962C8B-B14F-4D97-AF65-F5344CB8AC3E}">
-        <p14:creationId xmlns:p14="http://schemas.microsoft.com/office/powerpoint/2010/main" val="4218594424"/>
+        <p14:creationId xmlns:p14="http://schemas.microsoft.com/office/powerpoint/2010/main" val="1076849879"/>
       </p:ext>
     </p:extLst>
   </p:cSld>
@@ -16596,10 +16956,10 @@
       </p:grpSpPr>
       <p:sp>
         <p:nvSpPr>
-          <p:cNvPr id="5" name="Title 4">
+          <p:cNvPr id="4" name="Title 3">
             <a:extLst>
               <a:ext uri="{FF2B5EF4-FFF2-40B4-BE49-F238E27FC236}">
-                <a16:creationId xmlns:a16="http://schemas.microsoft.com/office/drawing/2014/main" id="{44183D46-7897-4245-994A-46CA4ADEA1FA}"/>
+                <a16:creationId xmlns:a16="http://schemas.microsoft.com/office/drawing/2014/main" id="{E766879E-3D36-4659-86F4-B21BD582F456}"/>
               </a:ext>
             </a:extLst>
           </p:cNvPr>
@@ -16610,24 +16970,40 @@
             <p:ph type="title"/>
           </p:nvPr>
         </p:nvSpPr>
-        <p:spPr/>
+        <p:spPr>
+          <a:xfrm>
+            <a:off x="584200" y="476252"/>
+            <a:ext cx="7974011" cy="769441"/>
+          </a:xfrm>
+        </p:spPr>
         <p:txBody>
           <a:bodyPr/>
           <a:lstStyle/>
           <a:p>
             <a:r>
               <a:rPr lang="en-US" dirty="0"/>
-              <a:t>Links</a:t>
+              <a:t>Modernization 4 – /</a:t>
+            </a:r>
+            <a:r>
+              <a:rPr lang="en-US" dirty="0" err="1"/>
+              <a:t>t:Pack</a:t>
+            </a:r>
+            <a:br>
+              <a:rPr lang="en-US" dirty="0"/>
+            </a:br>
+            <a:r>
+              <a:rPr lang="en-US" sz="1800" dirty="0"/>
+              <a:t>Switch from .nuspec files to .csproj files to create NuGets</a:t>
             </a:r>
           </a:p>
         </p:txBody>
       </p:sp>
       <p:sp>
         <p:nvSpPr>
-          <p:cNvPr id="6" name="Text Placeholder 5">
+          <p:cNvPr id="5" name="Text Placeholder 4">
             <a:extLst>
               <a:ext uri="{FF2B5EF4-FFF2-40B4-BE49-F238E27FC236}">
-                <a16:creationId xmlns:a16="http://schemas.microsoft.com/office/drawing/2014/main" id="{1670A972-0F6F-4CDC-BF91-B6E23EDDCA93}"/>
+                <a16:creationId xmlns:a16="http://schemas.microsoft.com/office/drawing/2014/main" id="{8CD9A1F8-8B09-4EA8-A130-8D87860A853D}"/>
               </a:ext>
             </a:extLst>
           </p:cNvPr>
@@ -16641,146 +17017,36 @@
         <p:spPr>
           <a:xfrm>
             <a:off x="584200" y="1435498"/>
-            <a:ext cx="7974011" cy="4647426"/>
+            <a:ext cx="7974011" cy="1360372"/>
           </a:xfrm>
         </p:spPr>
         <p:txBody>
           <a:bodyPr/>
           <a:lstStyle/>
           <a:p>
-            <a:pPr>
-              <a:spcAft>
-                <a:spcPts val="1200"/>
-              </a:spcAft>
-            </a:pPr>
-            <a:r>
-              <a:rPr lang="en-US" sz="1800" dirty="0"/>
-              <a:t>Portable Class Library Profile Viewer</a:t>
-            </a:r>
-            <a:br>
-              <a:rPr lang="en-US" sz="1800" dirty="0"/>
-            </a:br>
-            <a:r>
-              <a:rPr lang="en-US" sz="1800" dirty="0">
-                <a:hlinkClick r:id="rId2"/>
-              </a:rPr>
-              <a:t>https://portablelibraryprofiles.stephencleary.com</a:t>
-            </a:r>
-            <a:endParaRPr lang="en-US" sz="1800" dirty="0"/>
-          </a:p>
-          <a:p>
-            <a:pPr>
-              <a:spcAft>
-                <a:spcPts val="1200"/>
-              </a:spcAft>
-            </a:pPr>
-            <a:r>
-              <a:rPr lang="en-US" sz="1800" dirty="0"/>
-              <a:t>Windows SDKs</a:t>
-            </a:r>
-            <a:br>
-              <a:rPr lang="en-US" sz="1800" dirty="0"/>
-            </a:br>
-            <a:r>
-              <a:rPr lang="en-US" sz="1800" dirty="0">
-                <a:hlinkClick r:id="rId3"/>
-              </a:rPr>
-              <a:t>https://developer.microsoft.com/en-us/windows/downloads/sdk-archive</a:t>
-            </a:r>
-            <a:endParaRPr lang="en-US" sz="1800" dirty="0"/>
-          </a:p>
-          <a:p>
-            <a:pPr>
-              <a:spcAft>
-                <a:spcPts val="1200"/>
-              </a:spcAft>
-            </a:pPr>
-            <a:r>
-              <a:rPr lang="en-US" sz="1800" dirty="0"/>
-              <a:t>NuGet Migration</a:t>
-            </a:r>
-            <a:br>
-              <a:rPr lang="en-US" sz="1800" dirty="0"/>
-            </a:br>
-            <a:r>
-              <a:rPr lang="en-US" sz="1800" dirty="0">
-                <a:hlinkClick r:id="rId4"/>
-              </a:rPr>
-              <a:t>https://docs.microsoft.com/nuget/reference/migrate-packages-config-to-package-reference</a:t>
-            </a:r>
-            <a:endParaRPr lang="en-US" sz="1800" dirty="0"/>
-          </a:p>
-          <a:p>
-            <a:pPr>
-              <a:spcAft>
-                <a:spcPts val="1200"/>
-              </a:spcAft>
-            </a:pPr>
-            <a:r>
-              <a:rPr lang="en-US" sz="1800" dirty="0" err="1"/>
-              <a:t>MSBuild.Sdk.Extras</a:t>
-            </a:r>
-            <a:br>
-              <a:rPr lang="en-US" sz="1800" dirty="0"/>
-            </a:br>
-            <a:r>
-              <a:rPr lang="en-US" sz="1800" dirty="0">
-                <a:hlinkClick r:id="rId5"/>
-              </a:rPr>
-              <a:t>https://github.com/onovotny/MSBuildSdkExtras</a:t>
-            </a:r>
-            <a:endParaRPr lang="en-US" sz="1800" dirty="0"/>
-          </a:p>
-          <a:p>
-            <a:pPr>
-              <a:spcAft>
-                <a:spcPts val="1200"/>
-              </a:spcAft>
-            </a:pPr>
-            <a:r>
-              <a:rPr lang="en-US" sz="1800" dirty="0"/>
-              <a:t>Multitargeting in Visual Studio Bug</a:t>
-            </a:r>
-            <a:br>
-              <a:rPr lang="en-US" sz="1800" dirty="0"/>
-            </a:br>
-            <a:r>
-              <a:rPr lang="en-US" sz="1800" dirty="0">
-                <a:hlinkClick r:id="rId6"/>
-              </a:rPr>
-              <a:t>https://github.com/dotnet/project-system/issues/935</a:t>
-            </a:r>
-            <a:r>
-              <a:rPr lang="en-US" sz="1800" dirty="0"/>
-              <a:t> </a:t>
-            </a:r>
-          </a:p>
-          <a:p>
-            <a:pPr>
-              <a:spcAft>
-                <a:spcPts val="1200"/>
-              </a:spcAft>
-            </a:pPr>
-            <a:r>
-              <a:rPr lang="en-US" sz="1800" dirty="0"/>
-              <a:t>Example Library – </a:t>
-            </a:r>
-            <a:r>
-              <a:rPr lang="en-US" sz="1800"/>
-              <a:t>Xamarin.Essentials</a:t>
-            </a:r>
-            <a:br>
-              <a:rPr lang="en-US" sz="1800"/>
-            </a:br>
-            <a:r>
-              <a:rPr lang="en-US" sz="1800" dirty="0">
-                <a:hlinkClick r:id="rId7"/>
-              </a:rPr>
-              <a:t>https://github.com/xamarin/Essentials</a:t>
-            </a:r>
-            <a:r>
-              <a:rPr lang="en-US" sz="1800" dirty="0"/>
-              <a:t> </a:t>
+            <a:r>
+              <a:rPr lang="en-US" dirty="0"/>
+              <a:t>No need for .nuspec files</a:t>
+            </a:r>
+          </a:p>
+          <a:p>
+            <a:r>
+              <a:rPr lang="en-US" dirty="0"/>
+              <a:t>Automatic dependencies and references</a:t>
+            </a:r>
+          </a:p>
+          <a:p>
+            <a:r>
+              <a:rPr lang="en-US" dirty="0"/>
+              <a:t>Package properties can be set with </a:t>
+            </a:r>
+            <a:r>
+              <a:rPr lang="en-US" dirty="0" err="1"/>
+              <a:t>MSBuild</a:t>
+            </a:r>
+            <a:r>
+              <a:rPr lang="en-US" dirty="0"/>
+              <a:t> properties</a:t>
             </a:r>
           </a:p>
         </p:txBody>
@@ -16788,7 +17054,7 @@
     </p:spTree>
     <p:extLst>
       <p:ext uri="{BB962C8B-B14F-4D97-AF65-F5344CB8AC3E}">
-        <p14:creationId xmlns:p14="http://schemas.microsoft.com/office/powerpoint/2010/main" val="2933195428"/>
+        <p14:creationId xmlns:p14="http://schemas.microsoft.com/office/powerpoint/2010/main" val="4247808663"/>
       </p:ext>
     </p:extLst>
   </p:cSld>
@@ -16820,6 +17086,472 @@
       </p:grpSpPr>
       <p:sp>
         <p:nvSpPr>
+          <p:cNvPr id="3" name="Title 2"/>
+          <p:cNvSpPr>
+            <a:spLocks noGrp="1"/>
+          </p:cNvSpPr>
+          <p:nvPr>
+            <p:ph type="title"/>
+          </p:nvPr>
+        </p:nvSpPr>
+        <p:spPr/>
+        <p:txBody>
+          <a:bodyPr/>
+          <a:lstStyle/>
+          <a:p>
+            <a:r>
+              <a:rPr lang="en-US" dirty="0"/>
+              <a:t>Demo</a:t>
+            </a:r>
+          </a:p>
+        </p:txBody>
+      </p:sp>
+      <p:sp>
+        <p:nvSpPr>
+          <p:cNvPr id="4" name="Text Placeholder 3"/>
+          <p:cNvSpPr>
+            <a:spLocks noGrp="1"/>
+          </p:cNvSpPr>
+          <p:nvPr>
+            <p:ph type="body" sz="quarter" idx="12"/>
+          </p:nvPr>
+        </p:nvSpPr>
+        <p:spPr/>
+        <p:txBody>
+          <a:bodyPr/>
+          <a:lstStyle/>
+          <a:p>
+            <a:r>
+              <a:rPr lang="en-US" dirty="0"/>
+              <a:t>Packing, packing, packing…</a:t>
+            </a:r>
+          </a:p>
+        </p:txBody>
+      </p:sp>
+    </p:spTree>
+    <p:extLst>
+      <p:ext uri="{BB962C8B-B14F-4D97-AF65-F5344CB8AC3E}">
+        <p14:creationId xmlns:p14="http://schemas.microsoft.com/office/powerpoint/2010/main" val="4218594424"/>
+      </p:ext>
+    </p:extLst>
+  </p:cSld>
+  <p:clrMapOvr>
+    <a:masterClrMapping/>
+  </p:clrMapOvr>
+  <mc:AlternateContent xmlns:mc="http://schemas.openxmlformats.org/markup-compatibility/2006" xmlns:p14="http://schemas.microsoft.com/office/powerpoint/2010/main">
+    <mc:Choice Requires="p14">
+      <p:transition spd="med" p14:dur="700">
+        <p:fade/>
+      </p:transition>
+    </mc:Choice>
+    <mc:Fallback xmlns="">
+      <p:transition spd="med">
+        <p:fade/>
+      </p:transition>
+    </mc:Fallback>
+  </mc:AlternateContent>
+</p:sld>
+</file>
+
+<file path=ppt/slides/slide16.xml><?xml version="1.0" encoding="utf-8"?>
+<p:sld xmlns:a="http://schemas.openxmlformats.org/drawingml/2006/main" xmlns:r="http://schemas.openxmlformats.org/officeDocument/2006/relationships" xmlns:p="http://schemas.openxmlformats.org/presentationml/2006/main">
+  <p:cSld>
+    <p:spTree>
+      <p:nvGrpSpPr>
+        <p:cNvPr id="1" name=""/>
+        <p:cNvGrpSpPr/>
+        <p:nvPr/>
+      </p:nvGrpSpPr>
+      <p:grpSpPr>
+        <a:xfrm>
+          <a:off x="0" y="0"/>
+          <a:ext cx="0" cy="0"/>
+          <a:chOff x="0" y="0"/>
+          <a:chExt cx="0" cy="0"/>
+        </a:xfrm>
+      </p:grpSpPr>
+      <p:sp>
+        <p:nvSpPr>
+          <p:cNvPr id="4" name="Title 3">
+            <a:extLst>
+              <a:ext uri="{FF2B5EF4-FFF2-40B4-BE49-F238E27FC236}">
+                <a16:creationId xmlns:a16="http://schemas.microsoft.com/office/drawing/2014/main" id="{96476A37-7FE1-4BB0-9062-DF9B42D82473}"/>
+              </a:ext>
+            </a:extLst>
+          </p:cNvPr>
+          <p:cNvSpPr>
+            <a:spLocks noGrp="1"/>
+          </p:cNvSpPr>
+          <p:nvPr>
+            <p:ph type="title"/>
+          </p:nvPr>
+        </p:nvSpPr>
+        <p:spPr/>
+        <p:txBody>
+          <a:bodyPr/>
+          <a:lstStyle/>
+          <a:p>
+            <a:r>
+              <a:rPr lang="en-US" dirty="0"/>
+              <a:t>Silverlight is back!</a:t>
+            </a:r>
+          </a:p>
+        </p:txBody>
+      </p:sp>
+    </p:spTree>
+    <p:extLst>
+      <p:ext uri="{BB962C8B-B14F-4D97-AF65-F5344CB8AC3E}">
+        <p14:creationId xmlns:p14="http://schemas.microsoft.com/office/powerpoint/2010/main" val="2309783585"/>
+      </p:ext>
+    </p:extLst>
+  </p:cSld>
+  <p:clrMapOvr>
+    <a:masterClrMapping/>
+  </p:clrMapOvr>
+  <mc:AlternateContent xmlns:mc="http://schemas.openxmlformats.org/markup-compatibility/2006" xmlns:p14="http://schemas.microsoft.com/office/powerpoint/2010/main">
+    <mc:Choice Requires="p14">
+      <p:transition spd="med" p14:dur="700">
+        <p:fade/>
+      </p:transition>
+    </mc:Choice>
+    <mc:Fallback xmlns="">
+      <p:transition spd="med">
+        <p:fade/>
+      </p:transition>
+    </mc:Fallback>
+  </mc:AlternateContent>
+</p:sld>
+</file>
+
+<file path=ppt/slides/slide17.xml><?xml version="1.0" encoding="utf-8"?>
+<p:sld xmlns:a="http://schemas.openxmlformats.org/drawingml/2006/main" xmlns:r="http://schemas.openxmlformats.org/officeDocument/2006/relationships" xmlns:p="http://schemas.openxmlformats.org/presentationml/2006/main">
+  <p:cSld>
+    <p:spTree>
+      <p:nvGrpSpPr>
+        <p:cNvPr id="1" name=""/>
+        <p:cNvGrpSpPr/>
+        <p:nvPr/>
+      </p:nvGrpSpPr>
+      <p:grpSpPr>
+        <a:xfrm>
+          <a:off x="0" y="0"/>
+          <a:ext cx="0" cy="0"/>
+          <a:chOff x="0" y="0"/>
+          <a:chExt cx="0" cy="0"/>
+        </a:xfrm>
+      </p:grpSpPr>
+      <p:sp>
+        <p:nvSpPr>
+          <p:cNvPr id="3" name="Title 2"/>
+          <p:cNvSpPr>
+            <a:spLocks noGrp="1"/>
+          </p:cNvSpPr>
+          <p:nvPr>
+            <p:ph type="title"/>
+          </p:nvPr>
+        </p:nvSpPr>
+        <p:spPr/>
+        <p:txBody>
+          <a:bodyPr/>
+          <a:lstStyle/>
+          <a:p>
+            <a:r>
+              <a:rPr lang="en-US" dirty="0"/>
+              <a:t>Demo</a:t>
+            </a:r>
+          </a:p>
+        </p:txBody>
+      </p:sp>
+      <p:sp>
+        <p:nvSpPr>
+          <p:cNvPr id="4" name="Text Placeholder 3"/>
+          <p:cNvSpPr>
+            <a:spLocks noGrp="1"/>
+          </p:cNvSpPr>
+          <p:nvPr>
+            <p:ph type="body" sz="quarter" idx="12"/>
+          </p:nvPr>
+        </p:nvSpPr>
+        <p:spPr/>
+        <p:txBody>
+          <a:bodyPr/>
+          <a:lstStyle/>
+          <a:p>
+            <a:r>
+              <a:rPr lang="en-US" dirty="0"/>
+              <a:t>Silverlight is back!</a:t>
+            </a:r>
+          </a:p>
+        </p:txBody>
+      </p:sp>
+    </p:spTree>
+    <p:extLst>
+      <p:ext uri="{BB962C8B-B14F-4D97-AF65-F5344CB8AC3E}">
+        <p14:creationId xmlns:p14="http://schemas.microsoft.com/office/powerpoint/2010/main" val="1522985203"/>
+      </p:ext>
+    </p:extLst>
+  </p:cSld>
+  <p:clrMapOvr>
+    <a:masterClrMapping/>
+  </p:clrMapOvr>
+  <mc:AlternateContent xmlns:mc="http://schemas.openxmlformats.org/markup-compatibility/2006" xmlns:p14="http://schemas.microsoft.com/office/powerpoint/2010/main">
+    <mc:Choice Requires="p14">
+      <p:transition spd="med" p14:dur="700">
+        <p:fade/>
+      </p:transition>
+    </mc:Choice>
+    <mc:Fallback xmlns="">
+      <p:transition spd="med">
+        <p:fade/>
+      </p:transition>
+    </mc:Fallback>
+  </mc:AlternateContent>
+</p:sld>
+</file>
+
+<file path=ppt/slides/slide18.xml><?xml version="1.0" encoding="utf-8"?>
+<p:sld xmlns:a="http://schemas.openxmlformats.org/drawingml/2006/main" xmlns:r="http://schemas.openxmlformats.org/officeDocument/2006/relationships" xmlns:p="http://schemas.openxmlformats.org/presentationml/2006/main">
+  <p:cSld>
+    <p:spTree>
+      <p:nvGrpSpPr>
+        <p:cNvPr id="1" name=""/>
+        <p:cNvGrpSpPr/>
+        <p:nvPr/>
+      </p:nvGrpSpPr>
+      <p:grpSpPr>
+        <a:xfrm>
+          <a:off x="0" y="0"/>
+          <a:ext cx="0" cy="0"/>
+          <a:chOff x="0" y="0"/>
+          <a:chExt cx="0" cy="0"/>
+        </a:xfrm>
+      </p:grpSpPr>
+      <p:sp>
+        <p:nvSpPr>
+          <p:cNvPr id="5" name="Title 4">
+            <a:extLst>
+              <a:ext uri="{FF2B5EF4-FFF2-40B4-BE49-F238E27FC236}">
+                <a16:creationId xmlns:a16="http://schemas.microsoft.com/office/drawing/2014/main" id="{44183D46-7897-4245-994A-46CA4ADEA1FA}"/>
+              </a:ext>
+            </a:extLst>
+          </p:cNvPr>
+          <p:cNvSpPr>
+            <a:spLocks noGrp="1"/>
+          </p:cNvSpPr>
+          <p:nvPr>
+            <p:ph type="title"/>
+          </p:nvPr>
+        </p:nvSpPr>
+        <p:spPr/>
+        <p:txBody>
+          <a:bodyPr/>
+          <a:lstStyle/>
+          <a:p>
+            <a:r>
+              <a:rPr lang="en-US" dirty="0"/>
+              <a:t>Links</a:t>
+            </a:r>
+          </a:p>
+        </p:txBody>
+      </p:sp>
+      <p:sp>
+        <p:nvSpPr>
+          <p:cNvPr id="6" name="Text Placeholder 5">
+            <a:extLst>
+              <a:ext uri="{FF2B5EF4-FFF2-40B4-BE49-F238E27FC236}">
+                <a16:creationId xmlns:a16="http://schemas.microsoft.com/office/drawing/2014/main" id="{1670A972-0F6F-4CDC-BF91-B6E23EDDCA93}"/>
+              </a:ext>
+            </a:extLst>
+          </p:cNvPr>
+          <p:cNvSpPr>
+            <a:spLocks noGrp="1"/>
+          </p:cNvSpPr>
+          <p:nvPr>
+            <p:ph type="body" sz="quarter" idx="10"/>
+          </p:nvPr>
+        </p:nvSpPr>
+        <p:spPr>
+          <a:xfrm>
+            <a:off x="584200" y="1435498"/>
+            <a:ext cx="7974011" cy="4647426"/>
+          </a:xfrm>
+        </p:spPr>
+        <p:txBody>
+          <a:bodyPr/>
+          <a:lstStyle/>
+          <a:p>
+            <a:pPr>
+              <a:spcAft>
+                <a:spcPts val="1200"/>
+              </a:spcAft>
+            </a:pPr>
+            <a:r>
+              <a:rPr lang="en-US" sz="1800" dirty="0"/>
+              <a:t>Portable Class Library Profile Viewer</a:t>
+            </a:r>
+            <a:br>
+              <a:rPr lang="en-US" sz="1800" dirty="0"/>
+            </a:br>
+            <a:r>
+              <a:rPr lang="en-US" sz="1800" dirty="0">
+                <a:hlinkClick r:id="rId2"/>
+              </a:rPr>
+              <a:t>https://portablelibraryprofiles.stephencleary.com</a:t>
+            </a:r>
+            <a:endParaRPr lang="en-US" sz="1800" dirty="0"/>
+          </a:p>
+          <a:p>
+            <a:pPr>
+              <a:spcAft>
+                <a:spcPts val="1200"/>
+              </a:spcAft>
+            </a:pPr>
+            <a:r>
+              <a:rPr lang="en-US" sz="1800" dirty="0"/>
+              <a:t>Windows SDKs</a:t>
+            </a:r>
+            <a:br>
+              <a:rPr lang="en-US" sz="1800" dirty="0"/>
+            </a:br>
+            <a:r>
+              <a:rPr lang="en-US" sz="1800" dirty="0">
+                <a:hlinkClick r:id="rId3"/>
+              </a:rPr>
+              <a:t>https://developer.microsoft.com/en-us/windows/downloads/sdk-archive</a:t>
+            </a:r>
+            <a:endParaRPr lang="en-US" sz="1800" dirty="0"/>
+          </a:p>
+          <a:p>
+            <a:pPr>
+              <a:spcAft>
+                <a:spcPts val="1200"/>
+              </a:spcAft>
+            </a:pPr>
+            <a:r>
+              <a:rPr lang="en-US" sz="1800" dirty="0"/>
+              <a:t>NuGet Migration</a:t>
+            </a:r>
+            <a:br>
+              <a:rPr lang="en-US" sz="1800" dirty="0"/>
+            </a:br>
+            <a:r>
+              <a:rPr lang="en-US" sz="1800" dirty="0">
+                <a:hlinkClick r:id="rId4"/>
+              </a:rPr>
+              <a:t>https://docs.microsoft.com/nuget/reference/migrate-packages-config-to-package-reference</a:t>
+            </a:r>
+            <a:endParaRPr lang="en-US" sz="1800" dirty="0"/>
+          </a:p>
+          <a:p>
+            <a:pPr>
+              <a:spcAft>
+                <a:spcPts val="1200"/>
+              </a:spcAft>
+            </a:pPr>
+            <a:r>
+              <a:rPr lang="en-US" sz="1800" dirty="0" err="1"/>
+              <a:t>MSBuild.Sdk.Extras</a:t>
+            </a:r>
+            <a:br>
+              <a:rPr lang="en-US" sz="1800" dirty="0"/>
+            </a:br>
+            <a:r>
+              <a:rPr lang="en-US" sz="1800" dirty="0">
+                <a:hlinkClick r:id="rId5"/>
+              </a:rPr>
+              <a:t>https://github.com/onovotny/MSBuildSdkExtras</a:t>
+            </a:r>
+            <a:endParaRPr lang="en-US" sz="1800" dirty="0"/>
+          </a:p>
+          <a:p>
+            <a:pPr>
+              <a:spcAft>
+                <a:spcPts val="1200"/>
+              </a:spcAft>
+            </a:pPr>
+            <a:r>
+              <a:rPr lang="en-US" sz="1800" dirty="0"/>
+              <a:t>Multitargeting in Visual Studio Bug</a:t>
+            </a:r>
+            <a:br>
+              <a:rPr lang="en-US" sz="1800" dirty="0"/>
+            </a:br>
+            <a:r>
+              <a:rPr lang="en-US" sz="1800" dirty="0">
+                <a:hlinkClick r:id="rId6"/>
+              </a:rPr>
+              <a:t>https://github.com/dotnet/project-system/issues/935</a:t>
+            </a:r>
+            <a:r>
+              <a:rPr lang="en-US" sz="1800" dirty="0"/>
+              <a:t> </a:t>
+            </a:r>
+          </a:p>
+          <a:p>
+            <a:pPr>
+              <a:spcAft>
+                <a:spcPts val="1200"/>
+              </a:spcAft>
+            </a:pPr>
+            <a:r>
+              <a:rPr lang="en-US" sz="1800" dirty="0"/>
+              <a:t>Example Library – </a:t>
+            </a:r>
+            <a:r>
+              <a:rPr lang="en-US" sz="1800"/>
+              <a:t>Xamarin.Essentials</a:t>
+            </a:r>
+            <a:br>
+              <a:rPr lang="en-US" sz="1800"/>
+            </a:br>
+            <a:r>
+              <a:rPr lang="en-US" sz="1800" dirty="0">
+                <a:hlinkClick r:id="rId7"/>
+              </a:rPr>
+              <a:t>https://github.com/xamarin/Essentials</a:t>
+            </a:r>
+            <a:r>
+              <a:rPr lang="en-US" sz="1800" dirty="0"/>
+              <a:t> </a:t>
+            </a:r>
+          </a:p>
+        </p:txBody>
+      </p:sp>
+    </p:spTree>
+    <p:extLst>
+      <p:ext uri="{BB962C8B-B14F-4D97-AF65-F5344CB8AC3E}">
+        <p14:creationId xmlns:p14="http://schemas.microsoft.com/office/powerpoint/2010/main" val="2933195428"/>
+      </p:ext>
+    </p:extLst>
+  </p:cSld>
+  <p:clrMapOvr>
+    <a:masterClrMapping/>
+  </p:clrMapOvr>
+  <p:transition>
+    <p:fade/>
+  </p:transition>
+</p:sld>
+</file>
+
+<file path=ppt/slides/slide19.xml><?xml version="1.0" encoding="utf-8"?>
+<p:sld xmlns:a="http://schemas.openxmlformats.org/drawingml/2006/main" xmlns:r="http://schemas.openxmlformats.org/officeDocument/2006/relationships" xmlns:p="http://schemas.openxmlformats.org/presentationml/2006/main">
+  <p:cSld>
+    <p:spTree>
+      <p:nvGrpSpPr>
+        <p:cNvPr id="1" name=""/>
+        <p:cNvGrpSpPr/>
+        <p:nvPr/>
+      </p:nvGrpSpPr>
+      <p:grpSpPr>
+        <a:xfrm>
+          <a:off x="0" y="0"/>
+          <a:ext cx="0" cy="0"/>
+          <a:chOff x="0" y="0"/>
+          <a:chExt cx="0" cy="0"/>
+        </a:xfrm>
+      </p:grpSpPr>
+      <p:sp>
+        <p:nvSpPr>
           <p:cNvPr id="2" name="Title 1">
             <a:extLst>
               <a:ext uri="{FF2B5EF4-FFF2-40B4-BE49-F238E27FC236}">
@@ -16871,7 +17603,139 @@
 </p:sld>
 </file>
 
-<file path=ppt/slides/slide16.xml><?xml version="1.0" encoding="utf-8"?>
+<file path=ppt/slides/slide2.xml><?xml version="1.0" encoding="utf-8"?>
+<p:sld xmlns:a="http://schemas.openxmlformats.org/drawingml/2006/main" xmlns:r="http://schemas.openxmlformats.org/officeDocument/2006/relationships" xmlns:p="http://schemas.openxmlformats.org/presentationml/2006/main">
+  <p:cSld>
+    <p:spTree>
+      <p:nvGrpSpPr>
+        <p:cNvPr id="1" name=""/>
+        <p:cNvGrpSpPr/>
+        <p:nvPr/>
+      </p:nvGrpSpPr>
+      <p:grpSpPr>
+        <a:xfrm>
+          <a:off x="0" y="0"/>
+          <a:ext cx="0" cy="0"/>
+          <a:chOff x="0" y="0"/>
+          <a:chExt cx="0" cy="0"/>
+        </a:xfrm>
+      </p:grpSpPr>
+      <p:sp>
+        <p:nvSpPr>
+          <p:cNvPr id="17" name="Title 16"/>
+          <p:cNvSpPr>
+            <a:spLocks noGrp="1"/>
+          </p:cNvSpPr>
+          <p:nvPr>
+            <p:ph type="title"/>
+          </p:nvPr>
+        </p:nvSpPr>
+        <p:spPr/>
+        <p:txBody>
+          <a:bodyPr/>
+          <a:lstStyle/>
+          <a:p>
+            <a:r>
+              <a:rPr lang="en-US" dirty="0"/>
+              <a:t>Terrible Things</a:t>
+            </a:r>
+          </a:p>
+        </p:txBody>
+      </p:sp>
+      <p:sp>
+        <p:nvSpPr>
+          <p:cNvPr id="6" name="Text Placeholder 5"/>
+          <p:cNvSpPr>
+            <a:spLocks noGrp="1"/>
+          </p:cNvSpPr>
+          <p:nvPr>
+            <p:ph type="body" sz="quarter" idx="10"/>
+          </p:nvPr>
+        </p:nvSpPr>
+        <p:spPr>
+          <a:xfrm>
+            <a:off x="584200" y="1435498"/>
+            <a:ext cx="7974011" cy="3280898"/>
+          </a:xfrm>
+        </p:spPr>
+        <p:txBody>
+          <a:bodyPr/>
+          <a:lstStyle/>
+          <a:p>
+            <a:r>
+              <a:rPr lang="en-US" dirty="0"/>
+              <a:t>Large project files</a:t>
+            </a:r>
+          </a:p>
+          <a:p>
+            <a:r>
+              <a:rPr lang="en-US" dirty="0"/>
+              <a:t>Weird elements</a:t>
+            </a:r>
+          </a:p>
+          <a:p>
+            <a:r>
+              <a:rPr lang="en-US" dirty="0"/>
+              <a:t>Many, many projects</a:t>
+            </a:r>
+          </a:p>
+          <a:p>
+            <a:r>
+              <a:rPr lang="en-US" dirty="0"/>
+              <a:t>Shared Projects</a:t>
+            </a:r>
+          </a:p>
+          <a:p>
+            <a:r>
+              <a:rPr lang="en-US" dirty="0"/>
+              <a:t>File Linking</a:t>
+            </a:r>
+          </a:p>
+          <a:p>
+            <a:r>
+              <a:rPr lang="en-US" dirty="0"/>
+              <a:t>Old Tools</a:t>
+            </a:r>
+          </a:p>
+          <a:p>
+            <a:r>
+              <a:rPr lang="en-US" dirty="0"/>
+              <a:t>Dependency Tracking </a:t>
+            </a:r>
+            <a:r>
+              <a:rPr lang="en-US"/>
+              <a:t>/ Coordinating</a:t>
+            </a:r>
+            <a:endParaRPr lang="en-US" dirty="0"/>
+          </a:p>
+        </p:txBody>
+      </p:sp>
+    </p:spTree>
+    <p:extLst>
+      <p:ext uri="{BB962C8B-B14F-4D97-AF65-F5344CB8AC3E}">
+        <p14:creationId xmlns:p14="http://schemas.microsoft.com/office/powerpoint/2010/main" val="1793706927"/>
+      </p:ext>
+    </p:extLst>
+  </p:cSld>
+  <p:clrMapOvr>
+    <a:masterClrMapping/>
+  </p:clrMapOvr>
+  <mc:AlternateContent xmlns:mc="http://schemas.openxmlformats.org/markup-compatibility/2006" xmlns:p14="http://schemas.microsoft.com/office/powerpoint/2010/main">
+    <mc:Choice Requires="p14">
+      <p:transition spd="med" p14:dur="700">
+        <p:fade/>
+      </p:transition>
+    </mc:Choice>
+    <mc:Fallback xmlns="">
+      <p:transition spd="med">
+        <p:fade/>
+      </p:transition>
+    </mc:Fallback>
+  </mc:AlternateContent>
+</p:sld>
+</file>
+
+<file path=ppt/slides/slide20.xml><?xml version="1.0" encoding="utf-8"?>
 <p:sld xmlns:a="http://schemas.openxmlformats.org/drawingml/2006/main" xmlns:r="http://schemas.openxmlformats.org/officeDocument/2006/relationships" xmlns:p="http://schemas.openxmlformats.org/presentationml/2006/main">
   <p:cSld>
     <p:spTree>
@@ -16913,7 +17777,7 @@
 </p:sld>
 </file>
 
-<file path=ppt/slides/slide2.xml><?xml version="1.0" encoding="utf-8"?>
+<file path=ppt/slides/slide3.xml><?xml version="1.0" encoding="utf-8"?>
 <p:sld xmlns:a="http://schemas.openxmlformats.org/drawingml/2006/main" xmlns:r="http://schemas.openxmlformats.org/officeDocument/2006/relationships" xmlns:p="http://schemas.openxmlformats.org/presentationml/2006/main">
   <p:cSld>
     <p:spTree>
@@ -16932,7 +17796,13 @@
       </p:grpSpPr>
       <p:sp>
         <p:nvSpPr>
-          <p:cNvPr id="17" name="Title 16"/>
+          <p:cNvPr id="4" name="Title 3">
+            <a:extLst>
+              <a:ext uri="{FF2B5EF4-FFF2-40B4-BE49-F238E27FC236}">
+                <a16:creationId xmlns:a16="http://schemas.microsoft.com/office/drawing/2014/main" id="{96476A37-7FE1-4BB0-9062-DF9B42D82473}"/>
+              </a:ext>
+            </a:extLst>
+          </p:cNvPr>
           <p:cNvSpPr>
             <a:spLocks noGrp="1"/>
           </p:cNvSpPr>
@@ -16947,83 +17817,15 @@
           <a:p>
             <a:r>
               <a:rPr lang="en-US" dirty="0"/>
-              <a:t>Terrible Things</a:t>
-            </a:r>
-          </a:p>
-        </p:txBody>
-      </p:sp>
-      <p:sp>
-        <p:nvSpPr>
-          <p:cNvPr id="6" name="Text Placeholder 5"/>
-          <p:cNvSpPr>
-            <a:spLocks noGrp="1"/>
-          </p:cNvSpPr>
-          <p:nvPr>
-            <p:ph type="body" sz="quarter" idx="10"/>
-          </p:nvPr>
-        </p:nvSpPr>
-        <p:spPr>
-          <a:xfrm>
-            <a:off x="584200" y="1435498"/>
-            <a:ext cx="7974011" cy="3280898"/>
-          </a:xfrm>
-        </p:spPr>
-        <p:txBody>
-          <a:bodyPr/>
-          <a:lstStyle/>
-          <a:p>
-            <a:r>
-              <a:rPr lang="en-US" dirty="0"/>
-              <a:t>Large project files</a:t>
-            </a:r>
-          </a:p>
-          <a:p>
-            <a:r>
-              <a:rPr lang="en-US" dirty="0"/>
-              <a:t>Weird elements</a:t>
-            </a:r>
-          </a:p>
-          <a:p>
-            <a:r>
-              <a:rPr lang="en-US" dirty="0"/>
-              <a:t>Many, many projects</a:t>
-            </a:r>
-          </a:p>
-          <a:p>
-            <a:r>
-              <a:rPr lang="en-US" dirty="0"/>
-              <a:t>Shared Projects</a:t>
-            </a:r>
-          </a:p>
-          <a:p>
-            <a:r>
-              <a:rPr lang="en-US" dirty="0"/>
-              <a:t>File Linking</a:t>
-            </a:r>
-          </a:p>
-          <a:p>
-            <a:r>
-              <a:rPr lang="en-US" dirty="0"/>
-              <a:t>Old Tools</a:t>
-            </a:r>
-          </a:p>
-          <a:p>
-            <a:r>
-              <a:rPr lang="en-US" dirty="0"/>
-              <a:t>Dependency Tracking </a:t>
-            </a:r>
-            <a:r>
-              <a:rPr lang="en-US"/>
-              <a:t>/ Coordinating</a:t>
-            </a:r>
-            <a:endParaRPr lang="en-US" dirty="0"/>
+              <a:t>This can all go away! Today!</a:t>
+            </a:r>
           </a:p>
         </p:txBody>
       </p:sp>
     </p:spTree>
     <p:extLst>
       <p:ext uri="{BB962C8B-B14F-4D97-AF65-F5344CB8AC3E}">
-        <p14:creationId xmlns:p14="http://schemas.microsoft.com/office/powerpoint/2010/main" val="1793706927"/>
+        <p14:creationId xmlns:p14="http://schemas.microsoft.com/office/powerpoint/2010/main" val="52359712"/>
       </p:ext>
     </p:extLst>
   </p:cSld>
@@ -17045,7 +17847,7 @@
 </p:sld>
 </file>
 
-<file path=ppt/slides/slide3.xml><?xml version="1.0" encoding="utf-8"?>
+<file path=ppt/slides/slide4.xml><?xml version="1.0" encoding="utf-8"?>
 <p:sld xmlns:a="http://schemas.openxmlformats.org/drawingml/2006/main" xmlns:r="http://schemas.openxmlformats.org/officeDocument/2006/relationships" xmlns:p="http://schemas.openxmlformats.org/presentationml/2006/main">
   <p:cSld>
     <p:spTree>
@@ -17157,13 +17959,22 @@
         <p:spPr>
           <a:xfrm>
             <a:off x="584200" y="1435498"/>
-            <a:ext cx="7974011" cy="2800767"/>
+            <a:ext cx="7974011" cy="3761030"/>
           </a:xfrm>
         </p:spPr>
         <p:txBody>
           <a:bodyPr/>
           <a:lstStyle/>
           <a:p>
+            <a:pPr marL="0" indent="0">
+              <a:buNone/>
+            </a:pPr>
+            <a:r>
+              <a:rPr lang="en-US" b="1" dirty="0"/>
+              <a:t>The Old</a:t>
+            </a:r>
+          </a:p>
+          <a:p>
             <a:r>
               <a:rPr lang="en-US" dirty="0" err="1"/>
               <a:t>package.config</a:t>
@@ -17199,6 +18010,15 @@
           </a:p>
           <a:p>
             <a:endParaRPr lang="en-US" dirty="0"/>
+          </a:p>
+          <a:p>
+            <a:pPr marL="0" indent="0">
+              <a:buNone/>
+            </a:pPr>
+            <a:r>
+              <a:rPr lang="en-US" b="1" dirty="0"/>
+              <a:t>The New</a:t>
+            </a:r>
           </a:p>
           <a:p>
             <a:r>
@@ -17230,7 +18050,7 @@
 </p:sld>
 </file>
 
-<file path=ppt/slides/slide4.xml><?xml version="1.0" encoding="utf-8"?>
+<file path=ppt/slides/slide5.xml><?xml version="1.0" encoding="utf-8"?>
 <p:sld xmlns:a="http://schemas.openxmlformats.org/drawingml/2006/main" xmlns:r="http://schemas.openxmlformats.org/officeDocument/2006/relationships" xmlns:p="http://schemas.openxmlformats.org/presentationml/2006/main">
   <p:cSld>
     <p:spTree>
@@ -17327,176 +18147,6 @@
 </p:sld>
 </file>
 
-<file path=ppt/slides/slide5.xml><?xml version="1.0" encoding="utf-8"?>
-<p:sld xmlns:a="http://schemas.openxmlformats.org/drawingml/2006/main" xmlns:r="http://schemas.openxmlformats.org/officeDocument/2006/relationships" xmlns:p="http://schemas.openxmlformats.org/presentationml/2006/main">
-  <p:cSld>
-    <p:spTree>
-      <p:nvGrpSpPr>
-        <p:cNvPr id="1" name=""/>
-        <p:cNvGrpSpPr/>
-        <p:nvPr/>
-      </p:nvGrpSpPr>
-      <p:grpSpPr>
-        <a:xfrm>
-          <a:off x="0" y="0"/>
-          <a:ext cx="0" cy="0"/>
-          <a:chOff x="0" y="0"/>
-          <a:chExt cx="0" cy="0"/>
-        </a:xfrm>
-      </p:grpSpPr>
-      <p:sp>
-        <p:nvSpPr>
-          <p:cNvPr id="4" name="Title 3"/>
-          <p:cNvSpPr>
-            <a:spLocks noGrp="1"/>
-          </p:cNvSpPr>
-          <p:nvPr>
-            <p:ph type="title"/>
-          </p:nvPr>
-        </p:nvSpPr>
-        <p:spPr/>
-        <p:txBody>
-          <a:bodyPr/>
-          <a:lstStyle/>
-          <a:p>
-            <a:r>
-              <a:rPr lang="en-US" dirty="0"/>
-              <a:t>The &lt;</a:t>
-            </a:r>
-            <a:r>
-              <a:rPr lang="en-US" dirty="0" err="1"/>
-              <a:t>PackageReference</a:t>
-            </a:r>
-            <a:r>
-              <a:rPr lang="en-US" dirty="0"/>
-              <a:t>&gt; Code</a:t>
-            </a:r>
-          </a:p>
-        </p:txBody>
-      </p:sp>
-      <p:sp>
-        <p:nvSpPr>
-          <p:cNvPr id="5" name="Text Placeholder 4"/>
-          <p:cNvSpPr>
-            <a:spLocks noGrp="1"/>
-          </p:cNvSpPr>
-          <p:nvPr>
-            <p:ph type="body" sz="quarter" idx="10"/>
-          </p:nvPr>
-        </p:nvSpPr>
-        <p:spPr>
-          <a:xfrm>
-            <a:off x="584200" y="1436691"/>
-            <a:ext cx="7974014" cy="3268587"/>
-          </a:xfrm>
-        </p:spPr>
-        <p:txBody>
-          <a:bodyPr/>
-          <a:lstStyle/>
-          <a:p>
-            <a:endParaRPr lang="en-US" sz="1800" dirty="0"/>
-          </a:p>
-          <a:p>
-            <a:endParaRPr lang="en-US" sz="1800" dirty="0"/>
-          </a:p>
-          <a:p>
-            <a:endParaRPr lang="en-US" sz="1800" dirty="0"/>
-          </a:p>
-          <a:p>
-            <a:r>
-              <a:rPr lang="en-US" sz="1800" dirty="0"/>
-              <a:t>&lt;Project&gt;</a:t>
-            </a:r>
-          </a:p>
-          <a:p>
-            <a:endParaRPr lang="en-US" sz="1800" dirty="0"/>
-          </a:p>
-          <a:p>
-            <a:r>
-              <a:rPr lang="en-US" sz="1800" dirty="0"/>
-              <a:t>  &lt;</a:t>
-            </a:r>
-            <a:r>
-              <a:rPr lang="en-US" sz="1800" dirty="0" err="1"/>
-              <a:t>ItemGroup</a:t>
-            </a:r>
-            <a:r>
-              <a:rPr lang="en-US" sz="1800" dirty="0"/>
-              <a:t>&gt;</a:t>
-            </a:r>
-          </a:p>
-          <a:p>
-            <a:r>
-              <a:rPr lang="en-US" sz="1800" b="1" dirty="0"/>
-              <a:t>    &lt;</a:t>
-            </a:r>
-            <a:r>
-              <a:rPr lang="en-US" sz="1800" b="1" dirty="0" err="1"/>
-              <a:t>PackageReference</a:t>
-            </a:r>
-            <a:r>
-              <a:rPr lang="en-US" sz="1800" b="1" dirty="0"/>
-              <a:t> Include="</a:t>
-            </a:r>
-            <a:r>
-              <a:rPr lang="en-US" sz="1800" b="1" dirty="0" err="1"/>
-              <a:t>Package.Id</a:t>
-            </a:r>
-            <a:r>
-              <a:rPr lang="en-US" sz="1800" b="1" dirty="0"/>
-              <a:t>" Version="1.0.0" /&gt;</a:t>
-            </a:r>
-          </a:p>
-          <a:p>
-            <a:r>
-              <a:rPr lang="en-US" sz="1800" dirty="0"/>
-              <a:t>  &lt;/</a:t>
-            </a:r>
-            <a:r>
-              <a:rPr lang="en-US" sz="1800" dirty="0" err="1"/>
-              <a:t>ItemGroup</a:t>
-            </a:r>
-            <a:r>
-              <a:rPr lang="en-US" sz="1800" dirty="0"/>
-              <a:t>&gt;</a:t>
-            </a:r>
-          </a:p>
-          <a:p>
-            <a:endParaRPr lang="en-US" sz="1800" dirty="0"/>
-          </a:p>
-          <a:p>
-            <a:r>
-              <a:rPr lang="en-US" sz="1800" dirty="0"/>
-              <a:t>&lt;/Project&gt;</a:t>
-            </a:r>
-          </a:p>
-        </p:txBody>
-      </p:sp>
-    </p:spTree>
-    <p:extLst>
-      <p:ext uri="{BB962C8B-B14F-4D97-AF65-F5344CB8AC3E}">
-        <p14:creationId xmlns:p14="http://schemas.microsoft.com/office/powerpoint/2010/main" val="1041029672"/>
-      </p:ext>
-    </p:extLst>
-  </p:cSld>
-  <p:clrMapOvr>
-    <a:masterClrMapping/>
-  </p:clrMapOvr>
-  <mc:AlternateContent xmlns:mc="http://schemas.openxmlformats.org/markup-compatibility/2006" xmlns:p14="http://schemas.microsoft.com/office/powerpoint/2010/main">
-    <mc:Choice Requires="p14">
-      <p:transition spd="med" p14:dur="700">
-        <p:fade/>
-      </p:transition>
-    </mc:Choice>
-    <mc:Fallback xmlns="">
-      <p:transition spd="med">
-        <p:fade/>
-      </p:transition>
-    </mc:Fallback>
-  </mc:AlternateContent>
-</p:sld>
-</file>
-
 <file path=ppt/slides/slide6.xml><?xml version="1.0" encoding="utf-8"?>
 <p:sld xmlns:a="http://schemas.openxmlformats.org/drawingml/2006/main" xmlns:r="http://schemas.openxmlformats.org/officeDocument/2006/relationships" xmlns:p="http://schemas.openxmlformats.org/presentationml/2006/main">
   <p:cSld>
@@ -17516,13 +18166,7 @@
       </p:grpSpPr>
       <p:sp>
         <p:nvSpPr>
-          <p:cNvPr id="4" name="Title 3">
-            <a:extLst>
-              <a:ext uri="{FF2B5EF4-FFF2-40B4-BE49-F238E27FC236}">
-                <a16:creationId xmlns:a16="http://schemas.microsoft.com/office/drawing/2014/main" id="{75E8F592-9959-4DBD-9C53-AAFBF91CB7EA}"/>
-              </a:ext>
-            </a:extLst>
-          </p:cNvPr>
+          <p:cNvPr id="4" name="Title 3"/>
           <p:cNvSpPr>
             <a:spLocks noGrp="1"/>
           </p:cNvSpPr>
@@ -17530,47 +18174,120 @@
             <p:ph type="title"/>
           </p:nvPr>
         </p:nvSpPr>
+        <p:spPr/>
+        <p:txBody>
+          <a:bodyPr/>
+          <a:lstStyle/>
+          <a:p>
+            <a:r>
+              <a:rPr lang="en-US" dirty="0"/>
+              <a:t>The &lt;</a:t>
+            </a:r>
+            <a:r>
+              <a:rPr lang="en-US" dirty="0" err="1"/>
+              <a:t>PackageReference</a:t>
+            </a:r>
+            <a:r>
+              <a:rPr lang="en-US" dirty="0"/>
+              <a:t>&gt; Code</a:t>
+            </a:r>
+          </a:p>
+        </p:txBody>
+      </p:sp>
+      <p:sp>
+        <p:nvSpPr>
+          <p:cNvPr id="5" name="Text Placeholder 4"/>
+          <p:cNvSpPr>
+            <a:spLocks noGrp="1"/>
+          </p:cNvSpPr>
+          <p:nvPr>
+            <p:ph type="body" sz="quarter" idx="10"/>
+          </p:nvPr>
+        </p:nvSpPr>
         <p:spPr>
           <a:xfrm>
-            <a:off x="584200" y="3033224"/>
-            <a:ext cx="6712712" cy="498598"/>
+            <a:off x="584200" y="1436691"/>
+            <a:ext cx="7974014" cy="3268587"/>
           </a:xfrm>
         </p:spPr>
         <p:txBody>
           <a:bodyPr/>
           <a:lstStyle/>
           <a:p>
-            <a:r>
-              <a:rPr lang="en-US" dirty="0"/>
-              <a:t>Demo</a:t>
-            </a:r>
-          </a:p>
-        </p:txBody>
-      </p:sp>
-      <p:sp>
-        <p:nvSpPr>
-          <p:cNvPr id="5" name="Text Placeholder 4">
-            <a:extLst>
-              <a:ext uri="{FF2B5EF4-FFF2-40B4-BE49-F238E27FC236}">
-                <a16:creationId xmlns:a16="http://schemas.microsoft.com/office/drawing/2014/main" id="{F7F84358-65F5-4EAC-884D-89307055E00C}"/>
-              </a:ext>
-            </a:extLst>
-          </p:cNvPr>
-          <p:cNvSpPr>
-            <a:spLocks noGrp="1"/>
-          </p:cNvSpPr>
-          <p:nvPr>
-            <p:ph type="body" sz="quarter" idx="12"/>
-          </p:nvPr>
-        </p:nvSpPr>
-        <p:spPr/>
-        <p:txBody>
-          <a:bodyPr/>
-          <a:lstStyle/>
-          <a:p>
-            <a:r>
-              <a:rPr lang="en-US" dirty="0"/>
-              <a:t>Making the switch…</a:t>
+            <a:endParaRPr lang="en-US" sz="1800" dirty="0"/>
+          </a:p>
+          <a:p>
+            <a:endParaRPr lang="en-US" sz="1800" dirty="0"/>
+          </a:p>
+          <a:p>
+            <a:endParaRPr lang="en-US" sz="1800" dirty="0"/>
+          </a:p>
+          <a:p>
+            <a:r>
+              <a:rPr lang="en-US" sz="1800" dirty="0"/>
+              <a:t>&lt;Project&gt;</a:t>
+            </a:r>
+          </a:p>
+          <a:p>
+            <a:endParaRPr lang="en-US" sz="1800" dirty="0"/>
+          </a:p>
+          <a:p>
+            <a:r>
+              <a:rPr lang="en-US" sz="1800" dirty="0"/>
+              <a:t>  &lt;</a:t>
+            </a:r>
+            <a:r>
+              <a:rPr lang="en-US" sz="1800" dirty="0" err="1"/>
+              <a:t>ItemGroup</a:t>
+            </a:r>
+            <a:r>
+              <a:rPr lang="en-US" sz="1800" dirty="0"/>
+              <a:t>&gt;</a:t>
+            </a:r>
+          </a:p>
+          <a:p>
+            <a:r>
+              <a:rPr lang="en-US" sz="1800" b="1" dirty="0"/>
+              <a:t>    &lt;</a:t>
+            </a:r>
+            <a:r>
+              <a:rPr lang="en-US" sz="1800" b="1" dirty="0" err="1"/>
+              <a:t>PackageReference</a:t>
+            </a:r>
+            <a:r>
+              <a:rPr lang="en-US" sz="1800" b="1" dirty="0"/>
+              <a:t> Include="</a:t>
+            </a:r>
+            <a:r>
+              <a:rPr lang="en-US" sz="1800" b="1" dirty="0" err="1"/>
+              <a:t>Package.Id</a:t>
+            </a:r>
+            <a:r>
+              <a:rPr lang="en-US" sz="1800" b="1" dirty="0"/>
+              <a:t>" Version="1.0.0" /&gt;</a:t>
+            </a:r>
+          </a:p>
+          <a:p>
+            <a:r>
+              <a:rPr lang="en-US" sz="1800" dirty="0"/>
+              <a:t>  &lt;/</a:t>
+            </a:r>
+            <a:r>
+              <a:rPr lang="en-US" sz="1800" dirty="0" err="1"/>
+              <a:t>ItemGroup</a:t>
+            </a:r>
+            <a:r>
+              <a:rPr lang="en-US" sz="1800" dirty="0"/>
+              <a:t>&gt;</a:t>
+            </a:r>
+          </a:p>
+          <a:p>
+            <a:endParaRPr lang="en-US" sz="1800" dirty="0"/>
+          </a:p>
+          <a:p>
+            <a:r>
+              <a:rPr lang="en-US" sz="1800" dirty="0"/>
+              <a:t>&lt;/Project&gt;</a:t>
             </a:r>
           </a:p>
         </p:txBody>
@@ -17578,7 +18295,7 @@
     </p:spTree>
     <p:extLst>
       <p:ext uri="{BB962C8B-B14F-4D97-AF65-F5344CB8AC3E}">
-        <p14:creationId xmlns:p14="http://schemas.microsoft.com/office/powerpoint/2010/main" val="3200238273"/>
+        <p14:creationId xmlns:p14="http://schemas.microsoft.com/office/powerpoint/2010/main" val="1041029672"/>
       </p:ext>
     </p:extLst>
   </p:cSld>
@@ -17622,7 +18339,7 @@
           <p:cNvPr id="4" name="Title 3">
             <a:extLst>
               <a:ext uri="{FF2B5EF4-FFF2-40B4-BE49-F238E27FC236}">
-                <a16:creationId xmlns:a16="http://schemas.microsoft.com/office/drawing/2014/main" id="{E766879E-3D36-4659-86F4-B21BD582F456}"/>
+                <a16:creationId xmlns:a16="http://schemas.microsoft.com/office/drawing/2014/main" id="{75E8F592-9959-4DBD-9C53-AAFBF91CB7EA}"/>
               </a:ext>
             </a:extLst>
           </p:cNvPr>
@@ -17635,8 +18352,8 @@
         </p:nvSpPr>
         <p:spPr>
           <a:xfrm>
-            <a:off x="584200" y="476252"/>
-            <a:ext cx="7974011" cy="769441"/>
+            <a:off x="584200" y="3033224"/>
+            <a:ext cx="6712712" cy="498598"/>
           </a:xfrm>
         </p:spPr>
         <p:txBody>
@@ -17645,14 +18362,7 @@
           <a:p>
             <a:r>
               <a:rPr lang="en-US" dirty="0"/>
-              <a:t>Modernization 2 – SDK Style</a:t>
-            </a:r>
-            <a:br>
-              <a:rPr lang="en-US" dirty="0"/>
-            </a:br>
-            <a:r>
-              <a:rPr lang="en-US" sz="1800" dirty="0"/>
-              <a:t>Switch from the old project format to the SDK style project format</a:t>
+              <a:t>Demo</a:t>
             </a:r>
           </a:p>
         </p:txBody>
@@ -17662,7 +18372,7 @@
           <p:cNvPr id="5" name="Text Placeholder 4">
             <a:extLst>
               <a:ext uri="{FF2B5EF4-FFF2-40B4-BE49-F238E27FC236}">
-                <a16:creationId xmlns:a16="http://schemas.microsoft.com/office/drawing/2014/main" id="{8CD9A1F8-8B09-4EA8-A130-8D87860A853D}"/>
+                <a16:creationId xmlns:a16="http://schemas.microsoft.com/office/drawing/2014/main" id="{F7F84358-65F5-4EAC-884D-89307055E00C}"/>
               </a:ext>
             </a:extLst>
           </p:cNvPr>
@@ -17670,102 +18380,7 @@
             <a:spLocks noGrp="1"/>
           </p:cNvSpPr>
           <p:nvPr>
-            <p:ph type="body" sz="quarter" idx="10"/>
-          </p:nvPr>
-        </p:nvSpPr>
-        <p:spPr>
-          <a:xfrm>
-            <a:off x="584200" y="1435498"/>
-            <a:ext cx="7974011" cy="2800767"/>
-          </a:xfrm>
-        </p:spPr>
-        <p:txBody>
-          <a:bodyPr/>
-          <a:lstStyle/>
-          <a:p>
-            <a:r>
-              <a:rPr lang="en-US" dirty="0"/>
-              <a:t>Removes boilerplate elements</a:t>
-            </a:r>
-          </a:p>
-          <a:p>
-            <a:r>
-              <a:rPr lang="en-US" dirty="0"/>
-              <a:t>Smaller project files</a:t>
-            </a:r>
-          </a:p>
-          <a:p>
-            <a:r>
-              <a:rPr lang="en-US" dirty="0"/>
-              <a:t>Automatic file inclusion</a:t>
-            </a:r>
-          </a:p>
-          <a:p>
-            <a:r>
-              <a:rPr lang="en-US" dirty="0"/>
-              <a:t>Visual Studio 2017 can open obsolete platforms</a:t>
-            </a:r>
-          </a:p>
-          <a:p>
-            <a:endParaRPr lang="en-US" dirty="0"/>
-          </a:p>
-          <a:p>
-            <a:r>
-              <a:rPr lang="en-US" dirty="0"/>
-              <a:t>Makes use of </a:t>
-            </a:r>
-            <a:r>
-              <a:rPr lang="en-US" dirty="0" err="1"/>
-              <a:t>MSBuild.Sdk.Extras</a:t>
-            </a:r>
-            <a:r>
-              <a:rPr lang="en-US" dirty="0"/>
-              <a:t> package</a:t>
-            </a:r>
-          </a:p>
-        </p:txBody>
-      </p:sp>
-    </p:spTree>
-    <p:extLst>
-      <p:ext uri="{BB962C8B-B14F-4D97-AF65-F5344CB8AC3E}">
-        <p14:creationId xmlns:p14="http://schemas.microsoft.com/office/powerpoint/2010/main" val="3915672694"/>
-      </p:ext>
-    </p:extLst>
-  </p:cSld>
-  <p:clrMapOvr>
-    <a:masterClrMapping/>
-  </p:clrMapOvr>
-  <p:transition>
-    <p:fade/>
-  </p:transition>
-</p:sld>
-</file>
-
-<file path=ppt/slides/slide8.xml><?xml version="1.0" encoding="utf-8"?>
-<p:sld xmlns:a="http://schemas.openxmlformats.org/drawingml/2006/main" xmlns:r="http://schemas.openxmlformats.org/officeDocument/2006/relationships" xmlns:p="http://schemas.openxmlformats.org/presentationml/2006/main">
-  <p:cSld>
-    <p:spTree>
-      <p:nvGrpSpPr>
-        <p:cNvPr id="1" name=""/>
-        <p:cNvGrpSpPr/>
-        <p:nvPr/>
-      </p:nvGrpSpPr>
-      <p:grpSpPr>
-        <a:xfrm>
-          <a:off x="0" y="0"/>
-          <a:ext cx="0" cy="0"/>
-          <a:chOff x="0" y="0"/>
-          <a:chExt cx="0" cy="0"/>
-        </a:xfrm>
-      </p:grpSpPr>
-      <p:sp>
-        <p:nvSpPr>
-          <p:cNvPr id="3" name="Title 2"/>
-          <p:cNvSpPr>
-            <a:spLocks noGrp="1"/>
-          </p:cNvSpPr>
-          <p:nvPr>
-            <p:ph type="title"/>
+            <p:ph type="body" sz="quarter" idx="12"/>
           </p:nvPr>
         </p:nvSpPr>
         <p:spPr/>
@@ -17775,45 +18390,7 @@
           <a:p>
             <a:r>
               <a:rPr lang="en-US" dirty="0"/>
-              <a:t>Demo</a:t>
-            </a:r>
-          </a:p>
-        </p:txBody>
-      </p:sp>
-      <p:sp>
-        <p:nvSpPr>
-          <p:cNvPr id="4" name="Text Placeholder 3"/>
-          <p:cNvSpPr>
-            <a:spLocks noGrp="1"/>
-          </p:cNvSpPr>
-          <p:nvPr>
-            <p:ph type="body" sz="quarter" idx="12"/>
-          </p:nvPr>
-        </p:nvSpPr>
-        <p:spPr/>
-        <p:txBody>
-          <a:bodyPr/>
-          <a:lstStyle/>
-          <a:p>
-            <a:r>
-              <a:rPr lang="en-US" dirty="0"/>
-              <a:t>Humongous, </a:t>
-            </a:r>
-            <a:r>
-              <a:rPr lang="en-US" dirty="0" err="1"/>
-              <a:t>numongous</a:t>
-            </a:r>
-            <a:r>
-              <a:rPr lang="en-US" dirty="0"/>
-              <a:t>, and </a:t>
-            </a:r>
-            <a:r>
-              <a:rPr lang="en-US" dirty="0" err="1"/>
-              <a:t>annoymongous</a:t>
-            </a:r>
-            <a:r>
-              <a:rPr lang="en-US" dirty="0"/>
-              <a:t>, projects…</a:t>
+              <a:t>Making the switch…</a:t>
             </a:r>
           </a:p>
         </p:txBody>
@@ -17821,7 +18398,7 @@
     </p:spTree>
     <p:extLst>
       <p:ext uri="{BB962C8B-B14F-4D97-AF65-F5344CB8AC3E}">
-        <p14:creationId xmlns:p14="http://schemas.microsoft.com/office/powerpoint/2010/main" val="203203085"/>
+        <p14:creationId xmlns:p14="http://schemas.microsoft.com/office/powerpoint/2010/main" val="3200238273"/>
       </p:ext>
     </p:extLst>
   </p:cSld>
@@ -17843,6 +18420,147 @@
 </p:sld>
 </file>
 
+<file path=ppt/slides/slide8.xml><?xml version="1.0" encoding="utf-8"?>
+<p:sld xmlns:a="http://schemas.openxmlformats.org/drawingml/2006/main" xmlns:r="http://schemas.openxmlformats.org/officeDocument/2006/relationships" xmlns:p="http://schemas.openxmlformats.org/presentationml/2006/main">
+  <p:cSld>
+    <p:spTree>
+      <p:nvGrpSpPr>
+        <p:cNvPr id="1" name=""/>
+        <p:cNvGrpSpPr/>
+        <p:nvPr/>
+      </p:nvGrpSpPr>
+      <p:grpSpPr>
+        <a:xfrm>
+          <a:off x="0" y="0"/>
+          <a:ext cx="0" cy="0"/>
+          <a:chOff x="0" y="0"/>
+          <a:chExt cx="0" cy="0"/>
+        </a:xfrm>
+      </p:grpSpPr>
+      <p:sp>
+        <p:nvSpPr>
+          <p:cNvPr id="4" name="Title 3">
+            <a:extLst>
+              <a:ext uri="{FF2B5EF4-FFF2-40B4-BE49-F238E27FC236}">
+                <a16:creationId xmlns:a16="http://schemas.microsoft.com/office/drawing/2014/main" id="{E766879E-3D36-4659-86F4-B21BD582F456}"/>
+              </a:ext>
+            </a:extLst>
+          </p:cNvPr>
+          <p:cNvSpPr>
+            <a:spLocks noGrp="1"/>
+          </p:cNvSpPr>
+          <p:nvPr>
+            <p:ph type="title"/>
+          </p:nvPr>
+        </p:nvSpPr>
+        <p:spPr>
+          <a:xfrm>
+            <a:off x="584200" y="476252"/>
+            <a:ext cx="7974011" cy="769441"/>
+          </a:xfrm>
+        </p:spPr>
+        <p:txBody>
+          <a:bodyPr/>
+          <a:lstStyle/>
+          <a:p>
+            <a:r>
+              <a:rPr lang="en-US" dirty="0"/>
+              <a:t>Modernization 2 – SDK Style</a:t>
+            </a:r>
+            <a:br>
+              <a:rPr lang="en-US" dirty="0"/>
+            </a:br>
+            <a:r>
+              <a:rPr lang="en-US" sz="1800" dirty="0"/>
+              <a:t>Switch from the old project format to the SDK style project format</a:t>
+            </a:r>
+          </a:p>
+        </p:txBody>
+      </p:sp>
+      <p:sp>
+        <p:nvSpPr>
+          <p:cNvPr id="5" name="Text Placeholder 4">
+            <a:extLst>
+              <a:ext uri="{FF2B5EF4-FFF2-40B4-BE49-F238E27FC236}">
+                <a16:creationId xmlns:a16="http://schemas.microsoft.com/office/drawing/2014/main" id="{8CD9A1F8-8B09-4EA8-A130-8D87860A853D}"/>
+              </a:ext>
+            </a:extLst>
+          </p:cNvPr>
+          <p:cNvSpPr>
+            <a:spLocks noGrp="1"/>
+          </p:cNvSpPr>
+          <p:nvPr>
+            <p:ph type="body" sz="quarter" idx="10"/>
+          </p:nvPr>
+        </p:nvSpPr>
+        <p:spPr>
+          <a:xfrm>
+            <a:off x="584200" y="1435498"/>
+            <a:ext cx="7974011" cy="2800767"/>
+          </a:xfrm>
+        </p:spPr>
+        <p:txBody>
+          <a:bodyPr/>
+          <a:lstStyle/>
+          <a:p>
+            <a:r>
+              <a:rPr lang="en-US" dirty="0"/>
+              <a:t>Removes boilerplate elements</a:t>
+            </a:r>
+          </a:p>
+          <a:p>
+            <a:r>
+              <a:rPr lang="en-US" dirty="0"/>
+              <a:t>Smaller project files</a:t>
+            </a:r>
+          </a:p>
+          <a:p>
+            <a:r>
+              <a:rPr lang="en-US" dirty="0"/>
+              <a:t>Automatic file inclusion</a:t>
+            </a:r>
+          </a:p>
+          <a:p>
+            <a:r>
+              <a:rPr lang="en-US" dirty="0"/>
+              <a:t>Visual Studio 2017 can open obsolete platforms</a:t>
+            </a:r>
+          </a:p>
+          <a:p>
+            <a:endParaRPr lang="en-US" dirty="0"/>
+          </a:p>
+          <a:p>
+            <a:r>
+              <a:rPr lang="en-US" dirty="0"/>
+              <a:t>Makes use of </a:t>
+            </a:r>
+            <a:r>
+              <a:rPr lang="en-US" b="1" dirty="0" err="1"/>
+              <a:t>MSBuild.Sdk.Extras</a:t>
+            </a:r>
+            <a:r>
+              <a:rPr lang="en-US" dirty="0"/>
+              <a:t> package</a:t>
+            </a:r>
+          </a:p>
+        </p:txBody>
+      </p:sp>
+    </p:spTree>
+    <p:extLst>
+      <p:ext uri="{BB962C8B-B14F-4D97-AF65-F5344CB8AC3E}">
+        <p14:creationId xmlns:p14="http://schemas.microsoft.com/office/powerpoint/2010/main" val="3915672694"/>
+      </p:ext>
+    </p:extLst>
+  </p:cSld>
+  <p:clrMapOvr>
+    <a:masterClrMapping/>
+  </p:clrMapOvr>
+  <p:transition>
+    <p:fade/>
+  </p:transition>
+</p:sld>
+</file>
+
 <file path=ppt/slides/slide9.xml><?xml version="1.0" encoding="utf-8"?>
 <p:sld xmlns:a="http://schemas.openxmlformats.org/drawingml/2006/main" xmlns:r="http://schemas.openxmlformats.org/officeDocument/2006/relationships" xmlns:p="http://schemas.openxmlformats.org/presentationml/2006/main">
   <p:cSld>
@@ -17862,13 +18580,7 @@
       </p:grpSpPr>
       <p:sp>
         <p:nvSpPr>
-          <p:cNvPr id="4" name="Title 3">
-            <a:extLst>
-              <a:ext uri="{FF2B5EF4-FFF2-40B4-BE49-F238E27FC236}">
-                <a16:creationId xmlns:a16="http://schemas.microsoft.com/office/drawing/2014/main" id="{E766879E-3D36-4659-86F4-B21BD582F456}"/>
-              </a:ext>
-            </a:extLst>
-          </p:cNvPr>
+          <p:cNvPr id="4" name="Title 3"/>
           <p:cNvSpPr>
             <a:spLocks noGrp="1"/>
           </p:cNvSpPr>
@@ -17876,85 +18588,128 @@
             <p:ph type="title"/>
           </p:nvPr>
         </p:nvSpPr>
+        <p:spPr/>
+        <p:txBody>
+          <a:bodyPr/>
+          <a:lstStyle/>
+          <a:p>
+            <a:r>
+              <a:rPr lang="en-US" dirty="0"/>
+              <a:t>The SDK Style Project</a:t>
+            </a:r>
+          </a:p>
+        </p:txBody>
+      </p:sp>
+      <p:sp>
+        <p:nvSpPr>
+          <p:cNvPr id="5" name="Text Placeholder 4"/>
+          <p:cNvSpPr>
+            <a:spLocks noGrp="1"/>
+          </p:cNvSpPr>
+          <p:nvPr>
+            <p:ph type="body" sz="quarter" idx="10"/>
+          </p:nvPr>
+        </p:nvSpPr>
         <p:spPr>
           <a:xfrm>
-            <a:off x="584200" y="476252"/>
-            <a:ext cx="7974011" cy="769441"/>
+            <a:off x="584200" y="1436691"/>
+            <a:ext cx="7974014" cy="3268587"/>
           </a:xfrm>
         </p:spPr>
         <p:txBody>
           <a:bodyPr/>
           <a:lstStyle/>
           <a:p>
-            <a:r>
-              <a:rPr lang="en-US" dirty="0"/>
-              <a:t>Modernization 3 – Multitargeting</a:t>
-            </a:r>
-            <a:br>
-              <a:rPr lang="en-US" dirty="0"/>
-            </a:br>
+            <a:endParaRPr lang="en-US" sz="1800" dirty="0"/>
+          </a:p>
+          <a:p>
+            <a:endParaRPr lang="en-US" sz="1800" dirty="0"/>
+          </a:p>
+          <a:p>
+            <a:endParaRPr lang="en-US" sz="1800" dirty="0"/>
+          </a:p>
+          <a:p>
             <a:r>
               <a:rPr lang="en-US" sz="1800" dirty="0"/>
-              <a:t>Switch from multiple projects to a single project</a:t>
-            </a:r>
-          </a:p>
-        </p:txBody>
-      </p:sp>
-      <p:sp>
-        <p:nvSpPr>
-          <p:cNvPr id="5" name="Text Placeholder 4">
-            <a:extLst>
-              <a:ext uri="{FF2B5EF4-FFF2-40B4-BE49-F238E27FC236}">
-                <a16:creationId xmlns:a16="http://schemas.microsoft.com/office/drawing/2014/main" id="{8CD9A1F8-8B09-4EA8-A130-8D87860A853D}"/>
-              </a:ext>
-            </a:extLst>
-          </p:cNvPr>
-          <p:cNvSpPr>
-            <a:spLocks noGrp="1"/>
-          </p:cNvSpPr>
-          <p:nvPr>
-            <p:ph type="body" sz="quarter" idx="10"/>
-          </p:nvPr>
-        </p:nvSpPr>
-        <p:spPr>
-          <a:xfrm>
-            <a:off x="584200" y="1435498"/>
-            <a:ext cx="7974011" cy="1840504"/>
-          </a:xfrm>
-        </p:spPr>
-        <p:txBody>
-          <a:bodyPr/>
-          <a:lstStyle/>
-          <a:p>
-            <a:r>
-              <a:rPr lang="en-US" dirty="0"/>
-              <a:t>Far, far fewer projects</a:t>
-            </a:r>
-          </a:p>
-          <a:p>
-            <a:r>
-              <a:rPr lang="en-US" dirty="0"/>
-              <a:t>Centralized configuration</a:t>
-            </a:r>
-          </a:p>
-          <a:p>
-            <a:r>
-              <a:rPr lang="en-US" dirty="0"/>
-              <a:t>Conventions can be used</a:t>
-            </a:r>
-          </a:p>
-          <a:p>
-            <a:r>
-              <a:rPr lang="en-US" dirty="0"/>
-              <a:t>Attributes can be set with </a:t>
-            </a:r>
-            <a:r>
-              <a:rPr lang="en-US" dirty="0" err="1"/>
-              <a:t>MSBuild</a:t>
-            </a:r>
-            <a:r>
-              <a:rPr lang="en-US" dirty="0"/>
-              <a:t> properties</a:t>
+              <a:t>&lt;Project </a:t>
+            </a:r>
+            <a:r>
+              <a:rPr lang="en-US" sz="1800" dirty="0" err="1"/>
+              <a:t>Sdk</a:t>
+            </a:r>
+            <a:r>
+              <a:rPr lang="en-US" sz="1800" dirty="0"/>
+              <a:t>="</a:t>
+            </a:r>
+            <a:r>
+              <a:rPr lang="en-US" sz="1800" dirty="0" err="1"/>
+              <a:t>Microsoft.NET.Sdk</a:t>
+            </a:r>
+            <a:r>
+              <a:rPr lang="en-US" sz="1800" dirty="0"/>
+              <a:t>"&gt;</a:t>
+            </a:r>
+          </a:p>
+          <a:p>
+            <a:endParaRPr lang="en-US" sz="1800" dirty="0"/>
+          </a:p>
+          <a:p>
+            <a:r>
+              <a:rPr lang="en-US" sz="1800" dirty="0"/>
+              <a:t>  &lt;</a:t>
+            </a:r>
+            <a:r>
+              <a:rPr lang="en-US" sz="1800" dirty="0" err="1"/>
+              <a:t>PropertyGroup</a:t>
+            </a:r>
+            <a:r>
+              <a:rPr lang="en-US" sz="1800" dirty="0"/>
+              <a:t>&gt;</a:t>
+            </a:r>
+          </a:p>
+          <a:p>
+            <a:r>
+              <a:rPr lang="en-US" sz="1800" b="1" dirty="0"/>
+              <a:t>    &lt;</a:t>
+            </a:r>
+            <a:r>
+              <a:rPr lang="en-US" sz="1800" b="1" dirty="0" err="1"/>
+              <a:t>TargetFramework</a:t>
+            </a:r>
+            <a:r>
+              <a:rPr lang="en-US" sz="1800" b="1" dirty="0"/>
+              <a:t>&gt;net45&lt;/</a:t>
+            </a:r>
+            <a:r>
+              <a:rPr lang="en-US" sz="1800" b="1" dirty="0" err="1"/>
+              <a:t>TargetFramework</a:t>
+            </a:r>
+            <a:r>
+              <a:rPr lang="en-US" sz="1800" b="1" dirty="0"/>
+              <a:t>&gt;</a:t>
+            </a:r>
+          </a:p>
+          <a:p>
+            <a:r>
+              <a:rPr lang="en-US" sz="1800" dirty="0"/>
+              <a:t>  &lt;/</a:t>
+            </a:r>
+            <a:r>
+              <a:rPr lang="en-US" sz="1800" dirty="0" err="1"/>
+              <a:t>PropertyGroup</a:t>
+            </a:r>
+            <a:r>
+              <a:rPr lang="en-US" sz="1800" dirty="0"/>
+              <a:t>&gt;</a:t>
+            </a:r>
+          </a:p>
+          <a:p>
+            <a:endParaRPr lang="en-US" sz="1800" dirty="0"/>
+          </a:p>
+          <a:p>
+            <a:r>
+              <a:rPr lang="en-US" sz="1800" dirty="0"/>
+              <a:t>&lt;/Project&gt;</a:t>
             </a:r>
           </a:p>
         </p:txBody>
@@ -17962,16 +18717,25 @@
     </p:spTree>
     <p:extLst>
       <p:ext uri="{BB962C8B-B14F-4D97-AF65-F5344CB8AC3E}">
-        <p14:creationId xmlns:p14="http://schemas.microsoft.com/office/powerpoint/2010/main" val="1222767588"/>
+        <p14:creationId xmlns:p14="http://schemas.microsoft.com/office/powerpoint/2010/main" val="3933639628"/>
       </p:ext>
     </p:extLst>
   </p:cSld>
   <p:clrMapOvr>
     <a:masterClrMapping/>
   </p:clrMapOvr>
-  <p:transition>
-    <p:fade/>
-  </p:transition>
+  <mc:AlternateContent xmlns:mc="http://schemas.openxmlformats.org/markup-compatibility/2006" xmlns:p14="http://schemas.microsoft.com/office/powerpoint/2010/main">
+    <mc:Choice Requires="p14">
+      <p:transition spd="med" p14:dur="700">
+        <p:fade/>
+      </p:transition>
+    </mc:Choice>
+    <mc:Fallback xmlns="">
+      <p:transition spd="med">
+        <p:fade/>
+      </p:transition>
+    </mc:Fallback>
+  </mc:AlternateContent>
 </p:sld>
 </file>
 
@@ -19128,12 +19892,6 @@
 </file>
 
 <file path=customXml/item1.xml><?xml version="1.0" encoding="utf-8"?>
-<p:properties xmlns:p="http://schemas.microsoft.com/office/2006/metadata/properties" xmlns:xsi="http://www.w3.org/2001/XMLSchema-instance" xmlns:pc="http://schemas.microsoft.com/office/infopath/2007/PartnerControls">
-  <documentManagement/>
-</p:properties>
-</file>
-
-<file path=customXml/item2.xml><?xml version="1.0" encoding="utf-8"?>
 <ct:contentTypeSchema xmlns:ct="http://schemas.microsoft.com/office/2006/metadata/contentType" xmlns:ma="http://schemas.microsoft.com/office/2006/metadata/properties/metaAttributes" ct:_="" ma:_="" ma:contentTypeName="Document" ma:contentTypeID="0x010100A2B0BB5962AB3C45A9A1CE1EC4C4F647" ma:contentTypeVersion="3" ma:contentTypeDescription="Create a new document." ma:contentTypeScope="" ma:versionID="f0876370c90de824ab54c09b0bd2a056">
   <xsd:schema xmlns:xsd="http://www.w3.org/2001/XMLSchema" xmlns:xs="http://www.w3.org/2001/XMLSchema" xmlns:p="http://schemas.microsoft.com/office/2006/metadata/properties" xmlns:ns3="630a2e83-186a-4a0f-ab27-bee8a8096abc" targetNamespace="http://schemas.microsoft.com/office/2006/metadata/properties" ma:root="true" ma:fieldsID="a2a3b5ed8b4accd7c8a398d0cb075271" ns3:_="">
     <xsd:import namespace="630a2e83-186a-4a0f-ab27-bee8a8096abc"/>
@@ -19287,6 +20045,12 @@
 </ct:contentTypeSchema>
 </file>
 
+<file path=customXml/item2.xml><?xml version="1.0" encoding="utf-8"?>
+<p:properties xmlns:p="http://schemas.microsoft.com/office/2006/metadata/properties" xmlns:xsi="http://www.w3.org/2001/XMLSchema-instance" xmlns:pc="http://schemas.microsoft.com/office/infopath/2007/PartnerControls">
+  <documentManagement/>
+</p:properties>
+</file>
+
 <file path=customXml/item3.xml><?xml version="1.0" encoding="utf-8"?>
 <?mso-contentType ?>
 <FormTemplates xmlns="http://schemas.microsoft.com/sharepoint/v3/contenttype/forms">
@@ -19297,22 +20061,6 @@
 </file>
 
 <file path=customXml/itemProps1.xml><?xml version="1.0" encoding="utf-8"?>
-<ds:datastoreItem xmlns:ds="http://schemas.openxmlformats.org/officeDocument/2006/customXml" ds:itemID="{F990F116-B58F-4255-B05B-DA3808E0E5C6}">
-  <ds:schemaRefs>
-    <ds:schemaRef ds:uri="http://purl.org/dc/elements/1.1/"/>
-    <ds:schemaRef ds:uri="http://schemas.openxmlformats.org/package/2006/metadata/core-properties"/>
-    <ds:schemaRef ds:uri="http://schemas.microsoft.com/office/2006/metadata/properties"/>
-    <ds:schemaRef ds:uri="http://schemas.microsoft.com/office/2006/documentManagement/types"/>
-    <ds:schemaRef ds:uri="http://www.w3.org/XML/1998/namespace"/>
-    <ds:schemaRef ds:uri="http://schemas.microsoft.com/office/infopath/2007/PartnerControls"/>
-    <ds:schemaRef ds:uri="http://purl.org/dc/dcmitype/"/>
-    <ds:schemaRef ds:uri="630a2e83-186a-4a0f-ab27-bee8a8096abc"/>
-    <ds:schemaRef ds:uri="http://purl.org/dc/terms/"/>
-  </ds:schemaRefs>
-</ds:datastoreItem>
-</file>
-
-<file path=customXml/itemProps2.xml><?xml version="1.0" encoding="utf-8"?>
 <ds:datastoreItem xmlns:ds="http://schemas.openxmlformats.org/officeDocument/2006/customXml" ds:itemID="{F330841A-A209-44E7-824E-9DDB4DE0DC3C}">
   <ds:schemaRefs>
     <ds:schemaRef ds:uri="http://schemas.microsoft.com/office/2006/metadata/contentType"/>
@@ -19330,6 +20078,22 @@
 </ds:datastoreItem>
 </file>
 
+<file path=customXml/itemProps2.xml><?xml version="1.0" encoding="utf-8"?>
+<ds:datastoreItem xmlns:ds="http://schemas.openxmlformats.org/officeDocument/2006/customXml" ds:itemID="{F990F116-B58F-4255-B05B-DA3808E0E5C6}">
+  <ds:schemaRefs>
+    <ds:schemaRef ds:uri="http://purl.org/dc/elements/1.1/"/>
+    <ds:schemaRef ds:uri="http://schemas.openxmlformats.org/package/2006/metadata/core-properties"/>
+    <ds:schemaRef ds:uri="http://schemas.microsoft.com/office/2006/metadata/properties"/>
+    <ds:schemaRef ds:uri="http://schemas.microsoft.com/office/2006/documentManagement/types"/>
+    <ds:schemaRef ds:uri="http://www.w3.org/XML/1998/namespace"/>
+    <ds:schemaRef ds:uri="http://schemas.microsoft.com/office/infopath/2007/PartnerControls"/>
+    <ds:schemaRef ds:uri="http://purl.org/dc/dcmitype/"/>
+    <ds:schemaRef ds:uri="630a2e83-186a-4a0f-ab27-bee8a8096abc"/>
+    <ds:schemaRef ds:uri="http://purl.org/dc/terms/"/>
+  </ds:schemaRefs>
+</ds:datastoreItem>
+</file>
+
 <file path=customXml/itemProps3.xml><?xml version="1.0" encoding="utf-8"?>
 <ds:datastoreItem xmlns:ds="http://schemas.openxmlformats.org/officeDocument/2006/customXml" ds:itemID="{758FDAC0-319D-4A54-8D8E-1D42CB1F8004}">
   <ds:schemaRefs>

--- a/Slides.pptx
+++ b/Slides.pptx
@@ -259,7 +259,7 @@
               <a:rPr lang="en-US" smtClean="0">
                 <a:latin typeface="Segoe UI" pitchFamily="34" charset="0"/>
               </a:rPr>
-              <a:t>2018-07-25 3:56 PM</a:t>
+              <a:t>25-Jul-18 11:04 PM</a:t>
             </a:fld>
             <a:endParaRPr lang="en-US" dirty="0">
               <a:latin typeface="Segoe UI" pitchFamily="34" charset="0"/>
@@ -537,7 +537,7 @@
           <a:p>
             <a:fld id="{386CE63F-9E7F-4C04-9D0D-FCA25A8E9E86}" type="datetime8">
               <a:rPr lang="en-US" smtClean="0"/>
-              <a:t>2018-07-25 3:56 PM</a:t>
+              <a:t>25-Jul-18 11:03 PM</a:t>
             </a:fld>
             <a:endParaRPr lang="en-US" dirty="0"/>
           </a:p>
@@ -909,7 +909,7 @@
           <a:p>
             <a:fld id="{321E5A7B-BB8D-4368-A182-109669521632}" type="datetime8">
               <a:rPr lang="en-US" smtClean="0"/>
-              <a:t>2018-07-25 3:56 PM</a:t>
+              <a:t>25-Jul-18 11:03 PM</a:t>
             </a:fld>
             <a:endParaRPr lang="en-US" dirty="0"/>
           </a:p>
@@ -1113,7 +1113,7 @@
           <a:p>
             <a:fld id="{B16574EE-8191-4BCC-ABE6-D00A4F4D7690}" type="datetime8">
               <a:rPr lang="en-US" smtClean="0"/>
-              <a:t>2018-07-25 3:56 PM</a:t>
+              <a:t>25-Jul-18 11:03 PM</a:t>
             </a:fld>
             <a:endParaRPr lang="en-US" dirty="0"/>
           </a:p>
@@ -1283,7 +1283,7 @@
           <a:p>
             <a:fld id="{B16574EE-8191-4BCC-ABE6-D00A4F4D7690}" type="datetime8">
               <a:rPr lang="en-US" smtClean="0"/>
-              <a:t>2018-07-25 5:39 PM</a:t>
+              <a:t>25-Jul-18 11:03 PM</a:t>
             </a:fld>
             <a:endParaRPr lang="en-US" dirty="0"/>
           </a:p>
@@ -1433,7 +1433,7 @@
                   <a:prstClr val="black"/>
                 </a:solidFill>
               </a:rPr>
-              <a:t>2018-07-25 3:56 PM</a:t>
+              <a:t>25-Jul-18 11:03 PM</a:t>
             </a:fld>
             <a:endParaRPr lang="en-US" dirty="0">
               <a:solidFill>
@@ -1633,7 +1633,7 @@
                   <a:prstClr val="black"/>
                 </a:solidFill>
               </a:rPr>
-              <a:t>2018-07-25 3:56 PM</a:t>
+              <a:t>25-Jul-18 11:03 PM</a:t>
             </a:fld>
             <a:endParaRPr lang="en-US" dirty="0">
               <a:solidFill>
@@ -1853,7 +1853,7 @@
           <a:p>
             <a:fld id="{9427A7F7-BB1E-479D-AFAA-B52F4D0C99F2}" type="datetime8">
               <a:rPr lang="en-US" smtClean="0"/>
-              <a:t>2018-07-25 3:56 PM</a:t>
+              <a:t>25-Jul-18 11:03 PM</a:t>
             </a:fld>
             <a:endParaRPr lang="en-US" dirty="0"/>
           </a:p>
@@ -2049,7 +2049,7 @@
           <a:p>
             <a:fld id="{386CE63F-9E7F-4C04-9D0D-FCA25A8E9E86}" type="datetime8">
               <a:rPr lang="en-US" smtClean="0"/>
-              <a:t>2018-07-25 3:56 PM</a:t>
+              <a:t>25-Jul-18 11:03 PM</a:t>
             </a:fld>
             <a:endParaRPr lang="en-US" dirty="0"/>
           </a:p>
@@ -2186,7 +2186,7 @@
           <a:p>
             <a:fld id="{D44C3489-8257-4E60-994D-6A5CEE67ED71}" type="datetime8">
               <a:rPr lang="en-US" smtClean="0"/>
-              <a:t>2018-07-25 3:56 PM</a:t>
+              <a:t>25-Jul-18 11:03 PM</a:t>
             </a:fld>
             <a:endParaRPr lang="en-US" dirty="0"/>
           </a:p>
@@ -2433,7 +2433,7 @@
           <a:p>
             <a:fld id="{386CE63F-9E7F-4C04-9D0D-FCA25A8E9E86}" type="datetime8">
               <a:rPr lang="en-US" smtClean="0"/>
-              <a:t>2018-07-25 3:56 PM</a:t>
+              <a:t>25-Jul-18 11:03 PM</a:t>
             </a:fld>
             <a:endParaRPr lang="en-US" dirty="0"/>
           </a:p>
@@ -2570,7 +2570,7 @@
           <a:p>
             <a:fld id="{D44C3489-8257-4E60-994D-6A5CEE67ED71}" type="datetime8">
               <a:rPr lang="en-US" smtClean="0"/>
-              <a:t>2018-07-25 4:08 PM</a:t>
+              <a:t>25-Jul-18 11:03 PM</a:t>
             </a:fld>
             <a:endParaRPr lang="en-US" dirty="0"/>
           </a:p>
@@ -2826,7 +2826,7 @@
           <a:p>
             <a:fld id="{B16574EE-8191-4BCC-ABE6-D00A4F4D7690}" type="datetime8">
               <a:rPr lang="en-US" smtClean="0"/>
-              <a:t>2018-07-25 3:56 PM</a:t>
+              <a:t>25-Jul-18 11:03 PM</a:t>
             </a:fld>
             <a:endParaRPr lang="en-US" dirty="0"/>
           </a:p>
@@ -2963,7 +2963,7 @@
           <a:p>
             <a:fld id="{D44C3489-8257-4E60-994D-6A5CEE67ED71}" type="datetime8">
               <a:rPr lang="en-US" smtClean="0"/>
-              <a:t>2018-07-25 3:56 PM</a:t>
+              <a:t>25-Jul-18 11:03 PM</a:t>
             </a:fld>
             <a:endParaRPr lang="en-US" dirty="0"/>
           </a:p>
@@ -3209,7 +3209,7 @@
           <a:p>
             <a:fld id="{B16574EE-8191-4BCC-ABE6-D00A4F4D7690}" type="datetime8">
               <a:rPr lang="en-US" smtClean="0"/>
-              <a:t>2018-07-25 3:56 PM</a:t>
+              <a:t>25-Jul-18 11:03 PM</a:t>
             </a:fld>
             <a:endParaRPr lang="en-US" dirty="0"/>
           </a:p>
@@ -17911,7 +17911,7 @@
             </a:r>
             <a:r>
               <a:rPr lang="en-US" sz="1800" dirty="0" err="1"/>
-              <a:t>package.config</a:t>
+              <a:t>packages.config</a:t>
             </a:r>
             <a:r>
               <a:rPr lang="en-US" sz="1800" dirty="0"/>
@@ -17976,8 +17976,12 @@
           </a:p>
           <a:p>
             <a:r>
+              <a:rPr lang="en-US"/>
+              <a:t>packages.</a:t>
+            </a:r>
+            <a:r>
               <a:rPr lang="en-US" dirty="0" err="1"/>
-              <a:t>package.config</a:t>
+              <a:t>config</a:t>
             </a:r>
             <a:r>
               <a:rPr lang="en-US" dirty="0"/>
@@ -19892,6 +19896,12 @@
 </file>
 
 <file path=customXml/item1.xml><?xml version="1.0" encoding="utf-8"?>
+<p:properties xmlns:p="http://schemas.microsoft.com/office/2006/metadata/properties" xmlns:xsi="http://www.w3.org/2001/XMLSchema-instance" xmlns:pc="http://schemas.microsoft.com/office/infopath/2007/PartnerControls">
+  <documentManagement/>
+</p:properties>
+</file>
+
+<file path=customXml/item2.xml><?xml version="1.0" encoding="utf-8"?>
 <ct:contentTypeSchema xmlns:ct="http://schemas.microsoft.com/office/2006/metadata/contentType" xmlns:ma="http://schemas.microsoft.com/office/2006/metadata/properties/metaAttributes" ct:_="" ma:_="" ma:contentTypeName="Document" ma:contentTypeID="0x010100A2B0BB5962AB3C45A9A1CE1EC4C4F647" ma:contentTypeVersion="3" ma:contentTypeDescription="Create a new document." ma:contentTypeScope="" ma:versionID="f0876370c90de824ab54c09b0bd2a056">
   <xsd:schema xmlns:xsd="http://www.w3.org/2001/XMLSchema" xmlns:xs="http://www.w3.org/2001/XMLSchema" xmlns:p="http://schemas.microsoft.com/office/2006/metadata/properties" xmlns:ns3="630a2e83-186a-4a0f-ab27-bee8a8096abc" targetNamespace="http://schemas.microsoft.com/office/2006/metadata/properties" ma:root="true" ma:fieldsID="a2a3b5ed8b4accd7c8a398d0cb075271" ns3:_="">
     <xsd:import namespace="630a2e83-186a-4a0f-ab27-bee8a8096abc"/>
@@ -20045,12 +20055,6 @@
 </ct:contentTypeSchema>
 </file>
 
-<file path=customXml/item2.xml><?xml version="1.0" encoding="utf-8"?>
-<p:properties xmlns:p="http://schemas.microsoft.com/office/2006/metadata/properties" xmlns:xsi="http://www.w3.org/2001/XMLSchema-instance" xmlns:pc="http://schemas.microsoft.com/office/infopath/2007/PartnerControls">
-  <documentManagement/>
-</p:properties>
-</file>
-
 <file path=customXml/item3.xml><?xml version="1.0" encoding="utf-8"?>
 <?mso-contentType ?>
 <FormTemplates xmlns="http://schemas.microsoft.com/sharepoint/v3/contenttype/forms">
@@ -20061,6 +20065,22 @@
 </file>
 
 <file path=customXml/itemProps1.xml><?xml version="1.0" encoding="utf-8"?>
+<ds:datastoreItem xmlns:ds="http://schemas.openxmlformats.org/officeDocument/2006/customXml" ds:itemID="{F990F116-B58F-4255-B05B-DA3808E0E5C6}">
+  <ds:schemaRefs>
+    <ds:schemaRef ds:uri="http://schemas.microsoft.com/office/2006/documentManagement/types"/>
+    <ds:schemaRef ds:uri="http://www.w3.org/XML/1998/namespace"/>
+    <ds:schemaRef ds:uri="http://purl.org/dc/terms/"/>
+    <ds:schemaRef ds:uri="http://schemas.microsoft.com/office/2006/metadata/properties"/>
+    <ds:schemaRef ds:uri="http://schemas.openxmlformats.org/package/2006/metadata/core-properties"/>
+    <ds:schemaRef ds:uri="http://purl.org/dc/dcmitype/"/>
+    <ds:schemaRef ds:uri="http://schemas.microsoft.com/office/infopath/2007/PartnerControls"/>
+    <ds:schemaRef ds:uri="630a2e83-186a-4a0f-ab27-bee8a8096abc"/>
+    <ds:schemaRef ds:uri="http://purl.org/dc/elements/1.1/"/>
+  </ds:schemaRefs>
+</ds:datastoreItem>
+</file>
+
+<file path=customXml/itemProps2.xml><?xml version="1.0" encoding="utf-8"?>
 <ds:datastoreItem xmlns:ds="http://schemas.openxmlformats.org/officeDocument/2006/customXml" ds:itemID="{F330841A-A209-44E7-824E-9DDB4DE0DC3C}">
   <ds:schemaRefs>
     <ds:schemaRef ds:uri="http://schemas.microsoft.com/office/2006/metadata/contentType"/>
@@ -20078,22 +20098,6 @@
 </ds:datastoreItem>
 </file>
 
-<file path=customXml/itemProps2.xml><?xml version="1.0" encoding="utf-8"?>
-<ds:datastoreItem xmlns:ds="http://schemas.openxmlformats.org/officeDocument/2006/customXml" ds:itemID="{F990F116-B58F-4255-B05B-DA3808E0E5C6}">
-  <ds:schemaRefs>
-    <ds:schemaRef ds:uri="http://purl.org/dc/elements/1.1/"/>
-    <ds:schemaRef ds:uri="http://schemas.openxmlformats.org/package/2006/metadata/core-properties"/>
-    <ds:schemaRef ds:uri="http://schemas.microsoft.com/office/2006/metadata/properties"/>
-    <ds:schemaRef ds:uri="http://schemas.microsoft.com/office/2006/documentManagement/types"/>
-    <ds:schemaRef ds:uri="http://www.w3.org/XML/1998/namespace"/>
-    <ds:schemaRef ds:uri="http://schemas.microsoft.com/office/infopath/2007/PartnerControls"/>
-    <ds:schemaRef ds:uri="http://purl.org/dc/dcmitype/"/>
-    <ds:schemaRef ds:uri="630a2e83-186a-4a0f-ab27-bee8a8096abc"/>
-    <ds:schemaRef ds:uri="http://purl.org/dc/terms/"/>
-  </ds:schemaRefs>
-</ds:datastoreItem>
-</file>
-
 <file path=customXml/itemProps3.xml><?xml version="1.0" encoding="utf-8"?>
 <ds:datastoreItem xmlns:ds="http://schemas.openxmlformats.org/officeDocument/2006/customXml" ds:itemID="{758FDAC0-319D-4A54-8D8E-1D42CB1F8004}">
   <ds:schemaRefs>
